--- a/Documentação/ppts/PPT grupo 10.pptx
+++ b/Documentação/ppts/PPT grupo 10.pptx
@@ -5,7 +5,7 @@
     <p:sldMasterId id="2147483657" r:id="rId1"/>
   </p:sldMasterIdLst>
   <p:notesMasterIdLst>
-    <p:notesMasterId r:id="rId20"/>
+    <p:notesMasterId r:id="rId18"/>
   </p:notesMasterIdLst>
   <p:sldIdLst>
     <p:sldId id="256" r:id="rId2"/>
@@ -15,41 +15,39 @@
     <p:sldId id="259" r:id="rId6"/>
     <p:sldId id="260" r:id="rId7"/>
     <p:sldId id="287" r:id="rId8"/>
-    <p:sldId id="261" r:id="rId9"/>
-    <p:sldId id="288" r:id="rId10"/>
-    <p:sldId id="289" r:id="rId11"/>
-    <p:sldId id="290" r:id="rId12"/>
-    <p:sldId id="294" r:id="rId13"/>
-    <p:sldId id="295" r:id="rId14"/>
-    <p:sldId id="298" r:id="rId15"/>
-    <p:sldId id="262" r:id="rId16"/>
-    <p:sldId id="296" r:id="rId17"/>
-    <p:sldId id="279" r:id="rId18"/>
-    <p:sldId id="297" r:id="rId19"/>
+    <p:sldId id="295" r:id="rId9"/>
+    <p:sldId id="298" r:id="rId10"/>
+    <p:sldId id="299" r:id="rId11"/>
+    <p:sldId id="300" r:id="rId12"/>
+    <p:sldId id="301" r:id="rId13"/>
+    <p:sldId id="302" r:id="rId14"/>
+    <p:sldId id="262" r:id="rId15"/>
+    <p:sldId id="279" r:id="rId16"/>
+    <p:sldId id="297" r:id="rId17"/>
   </p:sldIdLst>
   <p:sldSz cx="9144000" cy="5143500" type="screen16x9"/>
   <p:notesSz cx="6858000" cy="9144000"/>
   <p:embeddedFontLst>
     <p:embeddedFont>
+      <p:font typeface="Roboto Condensed Light" panose="020B0604020202020204" charset="0"/>
+      <p:regular r:id="rId19"/>
+      <p:bold r:id="rId20"/>
+      <p:italic r:id="rId21"/>
+      <p:boldItalic r:id="rId22"/>
+    </p:embeddedFont>
+    <p:embeddedFont>
       <p:font typeface="Arvo" panose="020B0604020202020204" charset="0"/>
-      <p:regular r:id="rId21"/>
-      <p:bold r:id="rId22"/>
-      <p:italic r:id="rId23"/>
-      <p:boldItalic r:id="rId24"/>
+      <p:regular r:id="rId23"/>
+      <p:bold r:id="rId24"/>
+      <p:italic r:id="rId25"/>
+      <p:boldItalic r:id="rId26"/>
     </p:embeddedFont>
     <p:embeddedFont>
       <p:font typeface="Roboto Condensed" panose="020B0604020202020204" charset="0"/>
-      <p:regular r:id="rId25"/>
-      <p:bold r:id="rId26"/>
-      <p:italic r:id="rId27"/>
-      <p:boldItalic r:id="rId28"/>
-    </p:embeddedFont>
-    <p:embeddedFont>
-      <p:font typeface="Roboto Condensed Light" panose="020B0604020202020204" charset="0"/>
-      <p:regular r:id="rId29"/>
-      <p:bold r:id="rId30"/>
-      <p:italic r:id="rId31"/>
-      <p:boldItalic r:id="rId32"/>
+      <p:regular r:id="rId27"/>
+      <p:bold r:id="rId28"/>
+      <p:italic r:id="rId29"/>
+      <p:boldItalic r:id="rId30"/>
     </p:embeddedFont>
   </p:embeddedFontLst>
   <p:defaultTextStyle>
@@ -2633,6 +2631,13 @@
         </dgm:presLayoutVars>
       </dgm:prSet>
       <dgm:spPr/>
+      <dgm:t>
+        <a:bodyPr/>
+        <a:lstStyle/>
+        <a:p>
+          <a:endParaRPr lang="pt-BR"/>
+        </a:p>
+      </dgm:t>
     </dgm:pt>
     <dgm:pt modelId="{29A8F365-8248-4874-A358-8987A8156469}" type="pres">
       <dgm:prSet presAssocID="{F22A84FD-1979-49F3-A45E-66CC08E204EA}" presName="compNode" presStyleCnt="0"/>
@@ -2649,7 +2654,7 @@
           <a:blip xmlns:r="http://schemas.openxmlformats.org/officeDocument/2006/relationships" r:embed="rId1">
             <a:extLst>
               <a:ext uri="{96DAC541-7B7A-43D3-8B79-37D633B846F1}">
-                <asvg:svgBlip xmlns:asvg="http://schemas.microsoft.com/office/drawing/2016/SVG/main" r:embed="rId2"/>
+                <asvg:svgBlip xmlns:asvg="http://schemas.microsoft.com/office/drawing/2016/SVG/main" xmlns="" r:embed="rId2"/>
               </a:ext>
             </a:extLst>
           </a:blip>
@@ -2679,12 +2684,19 @@
         </dgm:presLayoutVars>
       </dgm:prSet>
       <dgm:spPr/>
+      <dgm:t>
+        <a:bodyPr/>
+        <a:lstStyle/>
+        <a:p>
+          <a:endParaRPr lang="pt-BR"/>
+        </a:p>
+      </dgm:t>
     </dgm:pt>
   </dgm:ptLst>
   <dgm:cxnLst>
     <dgm:cxn modelId="{89086989-896C-4626-B210-9EC3D9D7B34E}" srcId="{93DAD773-FEAA-4B90-854A-1093477F074F}" destId="{F22A84FD-1979-49F3-A45E-66CC08E204EA}" srcOrd="0" destOrd="0" parTransId="{6AB8858D-63D7-482A-8FBF-FDDDAA324641}" sibTransId="{D0FD132C-51DB-4716-ADB0-4ACD105388CF}"/>
+    <dgm:cxn modelId="{B3F946B4-C0FA-4C8F-AD1D-7A4EE9EBBCCC}" type="presOf" srcId="{93DAD773-FEAA-4B90-854A-1093477F074F}" destId="{DE0739B6-791E-49D8-AFE1-7D54AEF49C7A}" srcOrd="0" destOrd="0" presId="urn:microsoft.com/office/officeart/2018/5/layout/IconCircleLabelList"/>
     <dgm:cxn modelId="{F58A6A97-E221-4F31-8D18-035B15B3F44E}" type="presOf" srcId="{F22A84FD-1979-49F3-A45E-66CC08E204EA}" destId="{B23AA470-403E-4F13-8810-8DCA67019E40}" srcOrd="0" destOrd="0" presId="urn:microsoft.com/office/officeart/2018/5/layout/IconCircleLabelList"/>
-    <dgm:cxn modelId="{B3F946B4-C0FA-4C8F-AD1D-7A4EE9EBBCCC}" type="presOf" srcId="{93DAD773-FEAA-4B90-854A-1093477F074F}" destId="{DE0739B6-791E-49D8-AFE1-7D54AEF49C7A}" srcOrd="0" destOrd="0" presId="urn:microsoft.com/office/officeart/2018/5/layout/IconCircleLabelList"/>
     <dgm:cxn modelId="{D0ECDD04-89BB-42B7-9CE2-2C29A218A924}" type="presParOf" srcId="{DE0739B6-791E-49D8-AFE1-7D54AEF49C7A}" destId="{29A8F365-8248-4874-A358-8987A8156469}" srcOrd="0" destOrd="0" presId="urn:microsoft.com/office/officeart/2018/5/layout/IconCircleLabelList"/>
     <dgm:cxn modelId="{179EEC7D-D39C-40C3-8595-390A1C535FC4}" type="presParOf" srcId="{29A8F365-8248-4874-A358-8987A8156469}" destId="{6F1E441A-1C59-476B-B485-BB96C144554C}" srcOrd="0" destOrd="0" presId="urn:microsoft.com/office/officeart/2018/5/layout/IconCircleLabelList"/>
     <dgm:cxn modelId="{CA22C6ED-CBD1-44DF-B733-18C425BBE728}" type="presParOf" srcId="{29A8F365-8248-4874-A358-8987A8156469}" destId="{4C5EC6B8-7DA0-4E14-A27E-D3B67C2B7279}" srcOrd="1" destOrd="0" presId="urn:microsoft.com/office/officeart/2018/5/layout/IconCircleLabelList"/>
@@ -2774,6 +2786,13 @@
         </dgm:presLayoutVars>
       </dgm:prSet>
       <dgm:spPr/>
+      <dgm:t>
+        <a:bodyPr/>
+        <a:lstStyle/>
+        <a:p>
+          <a:endParaRPr lang="pt-BR"/>
+        </a:p>
+      </dgm:t>
     </dgm:pt>
     <dgm:pt modelId="{29A8F365-8248-4874-A358-8987A8156469}" type="pres">
       <dgm:prSet presAssocID="{F22A84FD-1979-49F3-A45E-66CC08E204EA}" presName="compNode" presStyleCnt="0"/>
@@ -2790,7 +2809,7 @@
           <a:blip xmlns:r="http://schemas.openxmlformats.org/officeDocument/2006/relationships" r:embed="rId1">
             <a:extLst>
               <a:ext uri="{96DAC541-7B7A-43D3-8B79-37D633B846F1}">
-                <asvg:svgBlip xmlns:asvg="http://schemas.microsoft.com/office/drawing/2016/SVG/main" r:embed="rId2"/>
+                <asvg:svgBlip xmlns:asvg="http://schemas.microsoft.com/office/drawing/2016/SVG/main" xmlns="" r:embed="rId2"/>
               </a:ext>
             </a:extLst>
           </a:blip>
@@ -2820,12 +2839,19 @@
         </dgm:presLayoutVars>
       </dgm:prSet>
       <dgm:spPr/>
+      <dgm:t>
+        <a:bodyPr/>
+        <a:lstStyle/>
+        <a:p>
+          <a:endParaRPr lang="pt-BR"/>
+        </a:p>
+      </dgm:t>
     </dgm:pt>
   </dgm:ptLst>
   <dgm:cxnLst>
     <dgm:cxn modelId="{89086989-896C-4626-B210-9EC3D9D7B34E}" srcId="{93DAD773-FEAA-4B90-854A-1093477F074F}" destId="{F22A84FD-1979-49F3-A45E-66CC08E204EA}" srcOrd="0" destOrd="0" parTransId="{6AB8858D-63D7-482A-8FBF-FDDDAA324641}" sibTransId="{D0FD132C-51DB-4716-ADB0-4ACD105388CF}"/>
+    <dgm:cxn modelId="{B3F946B4-C0FA-4C8F-AD1D-7A4EE9EBBCCC}" type="presOf" srcId="{93DAD773-FEAA-4B90-854A-1093477F074F}" destId="{DE0739B6-791E-49D8-AFE1-7D54AEF49C7A}" srcOrd="0" destOrd="0" presId="urn:microsoft.com/office/officeart/2018/5/layout/IconCircleLabelList"/>
     <dgm:cxn modelId="{F58A6A97-E221-4F31-8D18-035B15B3F44E}" type="presOf" srcId="{F22A84FD-1979-49F3-A45E-66CC08E204EA}" destId="{B23AA470-403E-4F13-8810-8DCA67019E40}" srcOrd="0" destOrd="0" presId="urn:microsoft.com/office/officeart/2018/5/layout/IconCircleLabelList"/>
-    <dgm:cxn modelId="{B3F946B4-C0FA-4C8F-AD1D-7A4EE9EBBCCC}" type="presOf" srcId="{93DAD773-FEAA-4B90-854A-1093477F074F}" destId="{DE0739B6-791E-49D8-AFE1-7D54AEF49C7A}" srcOrd="0" destOrd="0" presId="urn:microsoft.com/office/officeart/2018/5/layout/IconCircleLabelList"/>
     <dgm:cxn modelId="{D0ECDD04-89BB-42B7-9CE2-2C29A218A924}" type="presParOf" srcId="{DE0739B6-791E-49D8-AFE1-7D54AEF49C7A}" destId="{29A8F365-8248-4874-A358-8987A8156469}" srcOrd="0" destOrd="0" presId="urn:microsoft.com/office/officeart/2018/5/layout/IconCircleLabelList"/>
     <dgm:cxn modelId="{179EEC7D-D39C-40C3-8595-390A1C535FC4}" type="presParOf" srcId="{29A8F365-8248-4874-A358-8987A8156469}" destId="{6F1E441A-1C59-476B-B485-BB96C144554C}" srcOrd="0" destOrd="0" presId="urn:microsoft.com/office/officeart/2018/5/layout/IconCircleLabelList"/>
     <dgm:cxn modelId="{CA22C6ED-CBD1-44DF-B733-18C425BBE728}" type="presParOf" srcId="{29A8F365-8248-4874-A358-8987A8156469}" destId="{4C5EC6B8-7DA0-4E14-A27E-D3B67C2B7279}" srcOrd="1" destOrd="0" presId="urn:microsoft.com/office/officeart/2018/5/layout/IconCircleLabelList"/>
@@ -3008,6 +3034,13 @@
         </dgm:presLayoutVars>
       </dgm:prSet>
       <dgm:spPr/>
+      <dgm:t>
+        <a:bodyPr/>
+        <a:lstStyle/>
+        <a:p>
+          <a:endParaRPr lang="pt-BR"/>
+        </a:p>
+      </dgm:t>
     </dgm:pt>
     <dgm:pt modelId="{29A8F365-8248-4874-A358-8987A8156469}" type="pres">
       <dgm:prSet presAssocID="{F22A84FD-1979-49F3-A45E-66CC08E204EA}" presName="compNode" presStyleCnt="0"/>
@@ -3027,7 +3060,7 @@
                 <a14:useLocalDpi xmlns:a14="http://schemas.microsoft.com/office/drawing/2010/main" val="0"/>
               </a:ext>
               <a:ext uri="{96DAC541-7B7A-43D3-8B79-37D633B846F1}">
-                <asvg:svgBlip xmlns:asvg="http://schemas.microsoft.com/office/drawing/2016/SVG/main" r:embed="rId2"/>
+                <asvg:svgBlip xmlns:asvg="http://schemas.microsoft.com/office/drawing/2016/SVG/main" xmlns="" r:embed="rId2"/>
               </a:ext>
             </a:extLst>
           </a:blip>
@@ -3057,6 +3090,13 @@
         </dgm:presLayoutVars>
       </dgm:prSet>
       <dgm:spPr/>
+      <dgm:t>
+        <a:bodyPr/>
+        <a:lstStyle/>
+        <a:p>
+          <a:endParaRPr lang="pt-BR"/>
+        </a:p>
+      </dgm:t>
     </dgm:pt>
     <dgm:pt modelId="{BD4FE986-2906-45DB-871D-EEAF5AF507B8}" type="pres">
       <dgm:prSet presAssocID="{D0FD132C-51DB-4716-ADB0-4ACD105388CF}" presName="sibTrans" presStyleCnt="0"/>
@@ -3080,7 +3120,7 @@
                 <a14:useLocalDpi xmlns:a14="http://schemas.microsoft.com/office/drawing/2010/main" val="0"/>
               </a:ext>
               <a:ext uri="{96DAC541-7B7A-43D3-8B79-37D633B846F1}">
-                <asvg:svgBlip xmlns:asvg="http://schemas.microsoft.com/office/drawing/2016/SVG/main" r:embed="rId4"/>
+                <asvg:svgBlip xmlns:asvg="http://schemas.microsoft.com/office/drawing/2016/SVG/main" xmlns="" r:embed="rId4"/>
               </a:ext>
             </a:extLst>
           </a:blip>
@@ -3110,6 +3150,13 @@
         </dgm:presLayoutVars>
       </dgm:prSet>
       <dgm:spPr/>
+      <dgm:t>
+        <a:bodyPr/>
+        <a:lstStyle/>
+        <a:p>
+          <a:endParaRPr lang="pt-BR"/>
+        </a:p>
+      </dgm:t>
     </dgm:pt>
     <dgm:pt modelId="{BDBB551C-9842-488F-B7CB-4296B8C8AE56}" type="pres">
       <dgm:prSet presAssocID="{241CE552-5147-4CC0-957D-E924B447C84C}" presName="sibTrans" presStyleCnt="0"/>
@@ -3133,7 +3180,7 @@
                 <a14:useLocalDpi xmlns:a14="http://schemas.microsoft.com/office/drawing/2010/main" val="0"/>
               </a:ext>
               <a:ext uri="{96DAC541-7B7A-43D3-8B79-37D633B846F1}">
-                <asvg:svgBlip xmlns:asvg="http://schemas.microsoft.com/office/drawing/2016/SVG/main" r:embed="rId6"/>
+                <asvg:svgBlip xmlns:asvg="http://schemas.microsoft.com/office/drawing/2016/SVG/main" xmlns="" r:embed="rId6"/>
               </a:ext>
             </a:extLst>
           </a:blip>
@@ -3163,16 +3210,23 @@
         </dgm:presLayoutVars>
       </dgm:prSet>
       <dgm:spPr/>
+      <dgm:t>
+        <a:bodyPr/>
+        <a:lstStyle/>
+        <a:p>
+          <a:endParaRPr lang="pt-BR"/>
+        </a:p>
+      </dgm:t>
     </dgm:pt>
   </dgm:ptLst>
   <dgm:cxnLst>
+    <dgm:cxn modelId="{0B84FE83-C345-4959-8534-A73CDF11422C}" srcId="{93DAD773-FEAA-4B90-854A-1093477F074F}" destId="{59C3EE7D-E8F0-4058-9567-BA8D5D53C116}" srcOrd="2" destOrd="0" parTransId="{F776CE28-491C-41EF-B86B-A1F90E9E98C8}" sibTransId="{8001C3FF-063F-4D35-A7E4-79E344BC0397}"/>
+    <dgm:cxn modelId="{B2E5C819-11DC-4DCE-B14B-82ACCEEEE9BA}" type="presOf" srcId="{59C3EE7D-E8F0-4058-9567-BA8D5D53C116}" destId="{6C3109FF-D64C-4B2B-A417-E14AC6B1ABA2}" srcOrd="0" destOrd="0" presId="urn:microsoft.com/office/officeart/2018/5/layout/IconCircleLabelList"/>
+    <dgm:cxn modelId="{89086989-896C-4626-B210-9EC3D9D7B34E}" srcId="{93DAD773-FEAA-4B90-854A-1093477F074F}" destId="{F22A84FD-1979-49F3-A45E-66CC08E204EA}" srcOrd="0" destOrd="0" parTransId="{6AB8858D-63D7-482A-8FBF-FDDDAA324641}" sibTransId="{D0FD132C-51DB-4716-ADB0-4ACD105388CF}"/>
+    <dgm:cxn modelId="{DBD0DBDE-5C03-494C-B080-CA37A768653F}" type="presOf" srcId="{F22A84FD-1979-49F3-A45E-66CC08E204EA}" destId="{B23AA470-403E-4F13-8810-8DCA67019E40}" srcOrd="0" destOrd="0" presId="urn:microsoft.com/office/officeart/2018/5/layout/IconCircleLabelList"/>
     <dgm:cxn modelId="{6998C103-F067-4F60-88A7-B16C94AF9068}" srcId="{93DAD773-FEAA-4B90-854A-1093477F074F}" destId="{052D30E5-18AE-442D-A0E2-FE8F291B6400}" srcOrd="1" destOrd="0" parTransId="{3BD3F6AC-24DE-4E6F-BDF2-F619D415447D}" sibTransId="{241CE552-5147-4CC0-957D-E924B447C84C}"/>
-    <dgm:cxn modelId="{B2E5C819-11DC-4DCE-B14B-82ACCEEEE9BA}" type="presOf" srcId="{59C3EE7D-E8F0-4058-9567-BA8D5D53C116}" destId="{6C3109FF-D64C-4B2B-A417-E14AC6B1ABA2}" srcOrd="0" destOrd="0" presId="urn:microsoft.com/office/officeart/2018/5/layout/IconCircleLabelList"/>
+    <dgm:cxn modelId="{B3F946B4-C0FA-4C8F-AD1D-7A4EE9EBBCCC}" type="presOf" srcId="{93DAD773-FEAA-4B90-854A-1093477F074F}" destId="{DE0739B6-791E-49D8-AFE1-7D54AEF49C7A}" srcOrd="0" destOrd="0" presId="urn:microsoft.com/office/officeart/2018/5/layout/IconCircleLabelList"/>
     <dgm:cxn modelId="{70729A3A-F5F5-42C9-B2BB-A75B93DEEF62}" type="presOf" srcId="{052D30E5-18AE-442D-A0E2-FE8F291B6400}" destId="{E5D65826-DFFC-4986-8E43-A648C2FCBC5A}" srcOrd="0" destOrd="0" presId="urn:microsoft.com/office/officeart/2018/5/layout/IconCircleLabelList"/>
-    <dgm:cxn modelId="{0B84FE83-C345-4959-8534-A73CDF11422C}" srcId="{93DAD773-FEAA-4B90-854A-1093477F074F}" destId="{59C3EE7D-E8F0-4058-9567-BA8D5D53C116}" srcOrd="2" destOrd="0" parTransId="{F776CE28-491C-41EF-B86B-A1F90E9E98C8}" sibTransId="{8001C3FF-063F-4D35-A7E4-79E344BC0397}"/>
-    <dgm:cxn modelId="{89086989-896C-4626-B210-9EC3D9D7B34E}" srcId="{93DAD773-FEAA-4B90-854A-1093477F074F}" destId="{F22A84FD-1979-49F3-A45E-66CC08E204EA}" srcOrd="0" destOrd="0" parTransId="{6AB8858D-63D7-482A-8FBF-FDDDAA324641}" sibTransId="{D0FD132C-51DB-4716-ADB0-4ACD105388CF}"/>
-    <dgm:cxn modelId="{B3F946B4-C0FA-4C8F-AD1D-7A4EE9EBBCCC}" type="presOf" srcId="{93DAD773-FEAA-4B90-854A-1093477F074F}" destId="{DE0739B6-791E-49D8-AFE1-7D54AEF49C7A}" srcOrd="0" destOrd="0" presId="urn:microsoft.com/office/officeart/2018/5/layout/IconCircleLabelList"/>
-    <dgm:cxn modelId="{DBD0DBDE-5C03-494C-B080-CA37A768653F}" type="presOf" srcId="{F22A84FD-1979-49F3-A45E-66CC08E204EA}" destId="{B23AA470-403E-4F13-8810-8DCA67019E40}" srcOrd="0" destOrd="0" presId="urn:microsoft.com/office/officeart/2018/5/layout/IconCircleLabelList"/>
     <dgm:cxn modelId="{759380D9-595D-49E9-B712-2AE31FBAA81B}" type="presParOf" srcId="{DE0739B6-791E-49D8-AFE1-7D54AEF49C7A}" destId="{29A8F365-8248-4874-A358-8987A8156469}" srcOrd="0" destOrd="0" presId="urn:microsoft.com/office/officeart/2018/5/layout/IconCircleLabelList"/>
     <dgm:cxn modelId="{8D2907E5-CB18-475C-8449-CF5A5CA00AB1}" type="presParOf" srcId="{29A8F365-8248-4874-A358-8987A8156469}" destId="{6F1E441A-1C59-476B-B485-BB96C144554C}" srcOrd="0" destOrd="0" presId="urn:microsoft.com/office/officeart/2018/5/layout/IconCircleLabelList"/>
     <dgm:cxn modelId="{E03A7992-DA44-40C3-969A-E8C15CE3A115}" type="presParOf" srcId="{29A8F365-8248-4874-A358-8987A8156469}" destId="{4C5EC6B8-7DA0-4E14-A27E-D3B67C2B7279}" srcOrd="1" destOrd="0" presId="urn:microsoft.com/office/officeart/2018/5/layout/IconCircleLabelList"/>
@@ -3265,7 +3319,7 @@
           <a:blip xmlns:r="http://schemas.openxmlformats.org/officeDocument/2006/relationships" r:embed="rId1">
             <a:extLst>
               <a:ext uri="{96DAC541-7B7A-43D3-8B79-37D633B846F1}">
-                <asvg:svgBlip xmlns:asvg="http://schemas.microsoft.com/office/drawing/2016/SVG/main" r:embed="rId2"/>
+                <asvg:svgBlip xmlns:asvg="http://schemas.microsoft.com/office/drawing/2016/SVG/main" xmlns="" r:embed="rId2"/>
               </a:ext>
             </a:extLst>
           </a:blip>
@@ -3331,7 +3385,7 @@
         </a:bodyPr>
         <a:lstStyle/>
         <a:p>
-          <a:pPr marL="0" lvl="0" indent="0" algn="ctr" defTabSz="1200150">
+          <a:pPr lvl="0" algn="ctr" defTabSz="1200150">
             <a:lnSpc>
               <a:spcPct val="100000"/>
             </a:lnSpc>
@@ -3341,7 +3395,6 @@
             <a:spcAft>
               <a:spcPct val="35000"/>
             </a:spcAft>
-            <a:buNone/>
             <a:defRPr cap="all"/>
           </a:pPr>
           <a:r>
@@ -3432,7 +3485,7 @@
           <a:blip xmlns:r="http://schemas.openxmlformats.org/officeDocument/2006/relationships" r:embed="rId1">
             <a:extLst>
               <a:ext uri="{96DAC541-7B7A-43D3-8B79-37D633B846F1}">
-                <asvg:svgBlip xmlns:asvg="http://schemas.microsoft.com/office/drawing/2016/SVG/main" r:embed="rId2"/>
+                <asvg:svgBlip xmlns:asvg="http://schemas.microsoft.com/office/drawing/2016/SVG/main" xmlns="" r:embed="rId2"/>
               </a:ext>
             </a:extLst>
           </a:blip>
@@ -3498,7 +3551,7 @@
         </a:bodyPr>
         <a:lstStyle/>
         <a:p>
-          <a:pPr marL="0" lvl="0" indent="0" algn="ctr" defTabSz="1200150">
+          <a:pPr lvl="0" algn="ctr" defTabSz="1200150">
             <a:lnSpc>
               <a:spcPct val="100000"/>
             </a:lnSpc>
@@ -3508,7 +3561,6 @@
             <a:spcAft>
               <a:spcPct val="35000"/>
             </a:spcAft>
-            <a:buNone/>
             <a:defRPr cap="all"/>
           </a:pPr>
           <a:r>
@@ -3602,7 +3654,7 @@
                 <a14:useLocalDpi xmlns:a14="http://schemas.microsoft.com/office/drawing/2010/main" val="0"/>
               </a:ext>
               <a:ext uri="{96DAC541-7B7A-43D3-8B79-37D633B846F1}">
-                <asvg:svgBlip xmlns:asvg="http://schemas.microsoft.com/office/drawing/2016/SVG/main" r:embed="rId2"/>
+                <asvg:svgBlip xmlns:asvg="http://schemas.microsoft.com/office/drawing/2016/SVG/main" xmlns="" r:embed="rId2"/>
               </a:ext>
             </a:extLst>
           </a:blip>
@@ -3668,7 +3720,7 @@
         </a:bodyPr>
         <a:lstStyle/>
         <a:p>
-          <a:pPr marL="0" lvl="0" indent="0" algn="ctr" defTabSz="1066800">
+          <a:pPr lvl="0" algn="ctr" defTabSz="1066800">
             <a:lnSpc>
               <a:spcPct val="90000"/>
             </a:lnSpc>
@@ -3678,7 +3730,6 @@
             <a:spcAft>
               <a:spcPct val="35000"/>
             </a:spcAft>
-            <a:buNone/>
             <a:defRPr cap="all"/>
           </a:pPr>
           <a:r>
@@ -3760,7 +3811,7 @@
                 <a14:useLocalDpi xmlns:a14="http://schemas.microsoft.com/office/drawing/2010/main" val="0"/>
               </a:ext>
               <a:ext uri="{96DAC541-7B7A-43D3-8B79-37D633B846F1}">
-                <asvg:svgBlip xmlns:asvg="http://schemas.microsoft.com/office/drawing/2016/SVG/main" r:embed="rId4"/>
+                <asvg:svgBlip xmlns:asvg="http://schemas.microsoft.com/office/drawing/2016/SVG/main" xmlns="" r:embed="rId4"/>
               </a:ext>
             </a:extLst>
           </a:blip>
@@ -3826,7 +3877,7 @@
         </a:bodyPr>
         <a:lstStyle/>
         <a:p>
-          <a:pPr marL="0" lvl="0" indent="0" algn="ctr" defTabSz="1066800">
+          <a:pPr lvl="0" algn="ctr" defTabSz="1066800">
             <a:lnSpc>
               <a:spcPct val="90000"/>
             </a:lnSpc>
@@ -3836,7 +3887,6 @@
             <a:spcAft>
               <a:spcPct val="35000"/>
             </a:spcAft>
-            <a:buNone/>
             <a:defRPr cap="all"/>
           </a:pPr>
           <a:r>
@@ -3918,7 +3968,7 @@
                 <a14:useLocalDpi xmlns:a14="http://schemas.microsoft.com/office/drawing/2010/main" val="0"/>
               </a:ext>
               <a:ext uri="{96DAC541-7B7A-43D3-8B79-37D633B846F1}">
-                <asvg:svgBlip xmlns:asvg="http://schemas.microsoft.com/office/drawing/2016/SVG/main" r:embed="rId6"/>
+                <asvg:svgBlip xmlns:asvg="http://schemas.microsoft.com/office/drawing/2016/SVG/main" xmlns="" r:embed="rId6"/>
               </a:ext>
             </a:extLst>
           </a:blip>
@@ -3984,7 +4034,7 @@
         </a:bodyPr>
         <a:lstStyle/>
         <a:p>
-          <a:pPr marL="0" lvl="0" indent="0" algn="ctr" defTabSz="1066800">
+          <a:pPr lvl="0" algn="ctr" defTabSz="1066800">
             <a:lnSpc>
               <a:spcPct val="90000"/>
             </a:lnSpc>
@@ -3994,7 +4044,6 @@
             <a:spcAft>
               <a:spcPct val="35000"/>
             </a:spcAft>
-            <a:buNone/>
             <a:defRPr cap="all"/>
           </a:pPr>
           <a:r>
@@ -4223,7 +4272,7 @@
   </dgm:layoutNode>
   <dgm:extLst>
     <a:ext uri="{68A01E43-0DF5-4B5B-8FA6-DAF915123BFB}">
-      <dgm1612:lstStyle xmlns:dgm1612="http://schemas.microsoft.com/office/drawing/2016/12/diagram">
+      <dgm1612:lstStyle xmlns:dgm1612="http://schemas.microsoft.com/office/drawing/2016/12/diagram" xmlns="">
         <a:lvl1pPr>
           <a:lnSpc>
             <a:spcPct val="100000"/>
@@ -4438,7 +4487,7 @@
   </dgm:layoutNode>
   <dgm:extLst>
     <a:ext uri="{68A01E43-0DF5-4B5B-8FA6-DAF915123BFB}">
-      <dgm1612:lstStyle xmlns:dgm1612="http://schemas.microsoft.com/office/drawing/2016/12/diagram">
+      <dgm1612:lstStyle xmlns:dgm1612="http://schemas.microsoft.com/office/drawing/2016/12/diagram" xmlns="">
         <a:lvl1pPr>
           <a:lnSpc>
             <a:spcPct val="100000"/>
@@ -4653,7 +4702,7 @@
   </dgm:layoutNode>
   <dgm:extLst>
     <a:ext uri="{68A01E43-0DF5-4B5B-8FA6-DAF915123BFB}">
-      <dgm1612:lstStyle xmlns:dgm1612="http://schemas.microsoft.com/office/drawing/2016/12/diagram">
+      <dgm1612:lstStyle xmlns:dgm1612="http://schemas.microsoft.com/office/drawing/2016/12/diagram" xmlns="">
         <a:lvl1pPr>
           <a:lnSpc>
             <a:spcPct val="100000"/>
@@ -8410,110 +8459,6 @@
         </p:txBody>
       </p:sp>
     </p:spTree>
-  </p:cSld>
-  <p:clrMapOvr>
-    <a:masterClrMapping/>
-  </p:clrMapOvr>
-</p:notes>
-</file>
-
-<file path=ppt/notesSlides/notesSlide11.xml><?xml version="1.0" encoding="utf-8"?>
-<p:notes xmlns:a="http://schemas.openxmlformats.org/drawingml/2006/main" xmlns:r="http://schemas.openxmlformats.org/officeDocument/2006/relationships" xmlns:p="http://schemas.openxmlformats.org/presentationml/2006/main" showMasterSp="0" showMasterPhAnim="0">
-  <p:cSld>
-    <p:spTree>
-      <p:nvGrpSpPr>
-        <p:cNvPr id="1" name="Shape 498"/>
-        <p:cNvGrpSpPr/>
-        <p:nvPr/>
-      </p:nvGrpSpPr>
-      <p:grpSpPr>
-        <a:xfrm>
-          <a:off x="0" y="0"/>
-          <a:ext cx="0" cy="0"/>
-          <a:chOff x="0" y="0"/>
-          <a:chExt cx="0" cy="0"/>
-        </a:xfrm>
-      </p:grpSpPr>
-      <p:sp>
-        <p:nvSpPr>
-          <p:cNvPr id="499" name="Google Shape;499;g35ed75ccf_022:notes"/>
-          <p:cNvSpPr>
-            <a:spLocks noGrp="1" noRot="1" noChangeAspect="1"/>
-          </p:cNvSpPr>
-          <p:nvPr>
-            <p:ph type="sldImg" idx="2"/>
-          </p:nvPr>
-        </p:nvSpPr>
-        <p:spPr>
-          <a:xfrm>
-            <a:off x="381000" y="685800"/>
-            <a:ext cx="6096000" cy="3429000"/>
-          </a:xfrm>
-          <a:custGeom>
-            <a:avLst/>
-            <a:gdLst/>
-            <a:ahLst/>
-            <a:cxnLst/>
-            <a:rect l="l" t="t" r="r" b="b"/>
-            <a:pathLst>
-              <a:path w="120000" h="120000" extrusionOk="0">
-                <a:moveTo>
-                  <a:pt x="0" y="0"/>
-                </a:moveTo>
-                <a:lnTo>
-                  <a:pt x="120000" y="0"/>
-                </a:lnTo>
-                <a:lnTo>
-                  <a:pt x="120000" y="120000"/>
-                </a:lnTo>
-                <a:lnTo>
-                  <a:pt x="0" y="120000"/>
-                </a:lnTo>
-                <a:close/>
-              </a:path>
-            </a:pathLst>
-          </a:custGeom>
-        </p:spPr>
-      </p:sp>
-      <p:sp>
-        <p:nvSpPr>
-          <p:cNvPr id="500" name="Google Shape;500;g35ed75ccf_022:notes"/>
-          <p:cNvSpPr txBox="1">
-            <a:spLocks noGrp="1"/>
-          </p:cNvSpPr>
-          <p:nvPr>
-            <p:ph type="body" idx="1"/>
-          </p:nvPr>
-        </p:nvSpPr>
-        <p:spPr>
-          <a:xfrm>
-            <a:off x="685800" y="4343400"/>
-            <a:ext cx="5486400" cy="4114800"/>
-          </a:xfrm>
-          <a:prstGeom prst="rect">
-            <a:avLst/>
-          </a:prstGeom>
-        </p:spPr>
-        <p:txBody>
-          <a:bodyPr spcFirstLastPara="1" wrap="square" lIns="91425" tIns="91425" rIns="91425" bIns="91425" anchor="t" anchorCtr="0">
-            <a:noAutofit/>
-          </a:bodyPr>
-          <a:lstStyle/>
-          <a:p>
-            <a:pPr marL="0" lvl="0" indent="0" algn="l" rtl="0">
-              <a:spcBef>
-                <a:spcPts val="0"/>
-              </a:spcBef>
-              <a:spcAft>
-                <a:spcPts val="0"/>
-              </a:spcAft>
-              <a:buNone/>
-            </a:pPr>
-            <a:endParaRPr/>
-          </a:p>
-        </p:txBody>
-      </p:sp>
-    </p:spTree>
     <p:extLst>
       <p:ext uri="{BB962C8B-B14F-4D97-AF65-F5344CB8AC3E}">
         <p14:creationId xmlns:p14="http://schemas.microsoft.com/office/powerpoint/2010/main" val="3412940145"/>
@@ -9165,110 +9110,6 @@
   <p:cSld>
     <p:spTree>
       <p:nvGrpSpPr>
-        <p:cNvPr id="1" name="Shape 232"/>
-        <p:cNvGrpSpPr/>
-        <p:nvPr/>
-      </p:nvGrpSpPr>
-      <p:grpSpPr>
-        <a:xfrm>
-          <a:off x="0" y="0"/>
-          <a:ext cx="0" cy="0"/>
-          <a:chOff x="0" y="0"/>
-          <a:chExt cx="0" cy="0"/>
-        </a:xfrm>
-      </p:grpSpPr>
-      <p:sp>
-        <p:nvSpPr>
-          <p:cNvPr id="233" name="Google Shape;233;p:notes"/>
-          <p:cNvSpPr>
-            <a:spLocks noGrp="1" noRot="1" noChangeAspect="1"/>
-          </p:cNvSpPr>
-          <p:nvPr>
-            <p:ph type="sldImg" idx="2"/>
-          </p:nvPr>
-        </p:nvSpPr>
-        <p:spPr>
-          <a:xfrm>
-            <a:off x="381000" y="685800"/>
-            <a:ext cx="6096000" cy="3429000"/>
-          </a:xfrm>
-          <a:custGeom>
-            <a:avLst/>
-            <a:gdLst/>
-            <a:ahLst/>
-            <a:cxnLst/>
-            <a:rect l="l" t="t" r="r" b="b"/>
-            <a:pathLst>
-              <a:path w="120000" h="120000" extrusionOk="0">
-                <a:moveTo>
-                  <a:pt x="0" y="0"/>
-                </a:moveTo>
-                <a:lnTo>
-                  <a:pt x="120000" y="0"/>
-                </a:lnTo>
-                <a:lnTo>
-                  <a:pt x="120000" y="120000"/>
-                </a:lnTo>
-                <a:lnTo>
-                  <a:pt x="0" y="120000"/>
-                </a:lnTo>
-                <a:close/>
-              </a:path>
-            </a:pathLst>
-          </a:custGeom>
-        </p:spPr>
-      </p:sp>
-      <p:sp>
-        <p:nvSpPr>
-          <p:cNvPr id="234" name="Google Shape;234;p:notes"/>
-          <p:cNvSpPr txBox="1">
-            <a:spLocks noGrp="1"/>
-          </p:cNvSpPr>
-          <p:nvPr>
-            <p:ph type="body" idx="1"/>
-          </p:nvPr>
-        </p:nvSpPr>
-        <p:spPr>
-          <a:xfrm>
-            <a:off x="685800" y="4343400"/>
-            <a:ext cx="5486400" cy="4114800"/>
-          </a:xfrm>
-          <a:prstGeom prst="rect">
-            <a:avLst/>
-          </a:prstGeom>
-        </p:spPr>
-        <p:txBody>
-          <a:bodyPr spcFirstLastPara="1" wrap="square" lIns="91425" tIns="91425" rIns="91425" bIns="91425" anchor="t" anchorCtr="0">
-            <a:noAutofit/>
-          </a:bodyPr>
-          <a:lstStyle/>
-          <a:p>
-            <a:pPr marL="0" lvl="0" indent="0" algn="l" rtl="0">
-              <a:spcBef>
-                <a:spcPts val="0"/>
-              </a:spcBef>
-              <a:spcAft>
-                <a:spcPts val="0"/>
-              </a:spcAft>
-              <a:buNone/>
-            </a:pPr>
-            <a:endParaRPr/>
-          </a:p>
-        </p:txBody>
-      </p:sp>
-    </p:spTree>
-  </p:cSld>
-  <p:clrMapOvr>
-    <a:masterClrMapping/>
-  </p:clrMapOvr>
-</p:notes>
-</file>
-
-<file path=ppt/notesSlides/notesSlide9.xml><?xml version="1.0" encoding="utf-8"?>
-<p:notes xmlns:a="http://schemas.openxmlformats.org/drawingml/2006/main" xmlns:r="http://schemas.openxmlformats.org/officeDocument/2006/relationships" xmlns:p="http://schemas.openxmlformats.org/presentationml/2006/main" showMasterSp="0" showMasterPhAnim="0">
-  <p:cSld>
-    <p:spTree>
-      <p:nvGrpSpPr>
         <p:cNvPr id="1" name="Shape 244"/>
         <p:cNvGrpSpPr/>
         <p:nvPr/>
@@ -9325,6 +9166,110 @@
       <p:sp>
         <p:nvSpPr>
           <p:cNvPr id="246" name="Google Shape;246;g35ed75ccf_015:notes"/>
+          <p:cNvSpPr txBox="1">
+            <a:spLocks noGrp="1"/>
+          </p:cNvSpPr>
+          <p:nvPr>
+            <p:ph type="body" idx="1"/>
+          </p:nvPr>
+        </p:nvSpPr>
+        <p:spPr>
+          <a:xfrm>
+            <a:off x="685800" y="4343400"/>
+            <a:ext cx="5486400" cy="4114800"/>
+          </a:xfrm>
+          <a:prstGeom prst="rect">
+            <a:avLst/>
+          </a:prstGeom>
+        </p:spPr>
+        <p:txBody>
+          <a:bodyPr spcFirstLastPara="1" wrap="square" lIns="91425" tIns="91425" rIns="91425" bIns="91425" anchor="t" anchorCtr="0">
+            <a:noAutofit/>
+          </a:bodyPr>
+          <a:lstStyle/>
+          <a:p>
+            <a:pPr marL="0" lvl="0" indent="0" algn="l" rtl="0">
+              <a:spcBef>
+                <a:spcPts val="0"/>
+              </a:spcBef>
+              <a:spcAft>
+                <a:spcPts val="0"/>
+              </a:spcAft>
+              <a:buNone/>
+            </a:pPr>
+            <a:endParaRPr/>
+          </a:p>
+        </p:txBody>
+      </p:sp>
+    </p:spTree>
+  </p:cSld>
+  <p:clrMapOvr>
+    <a:masterClrMapping/>
+  </p:clrMapOvr>
+</p:notes>
+</file>
+
+<file path=ppt/notesSlides/notesSlide9.xml><?xml version="1.0" encoding="utf-8"?>
+<p:notes xmlns:a="http://schemas.openxmlformats.org/drawingml/2006/main" xmlns:r="http://schemas.openxmlformats.org/officeDocument/2006/relationships" xmlns:p="http://schemas.openxmlformats.org/presentationml/2006/main" showMasterSp="0" showMasterPhAnim="0">
+  <p:cSld>
+    <p:spTree>
+      <p:nvGrpSpPr>
+        <p:cNvPr id="1" name="Shape 498"/>
+        <p:cNvGrpSpPr/>
+        <p:nvPr/>
+      </p:nvGrpSpPr>
+      <p:grpSpPr>
+        <a:xfrm>
+          <a:off x="0" y="0"/>
+          <a:ext cx="0" cy="0"/>
+          <a:chOff x="0" y="0"/>
+          <a:chExt cx="0" cy="0"/>
+        </a:xfrm>
+      </p:grpSpPr>
+      <p:sp>
+        <p:nvSpPr>
+          <p:cNvPr id="499" name="Google Shape;499;g35ed75ccf_022:notes"/>
+          <p:cNvSpPr>
+            <a:spLocks noGrp="1" noRot="1" noChangeAspect="1"/>
+          </p:cNvSpPr>
+          <p:nvPr>
+            <p:ph type="sldImg" idx="2"/>
+          </p:nvPr>
+        </p:nvSpPr>
+        <p:spPr>
+          <a:xfrm>
+            <a:off x="381000" y="685800"/>
+            <a:ext cx="6096000" cy="3429000"/>
+          </a:xfrm>
+          <a:custGeom>
+            <a:avLst/>
+            <a:gdLst/>
+            <a:ahLst/>
+            <a:cxnLst/>
+            <a:rect l="l" t="t" r="r" b="b"/>
+            <a:pathLst>
+              <a:path w="120000" h="120000" extrusionOk="0">
+                <a:moveTo>
+                  <a:pt x="0" y="0"/>
+                </a:moveTo>
+                <a:lnTo>
+                  <a:pt x="120000" y="0"/>
+                </a:lnTo>
+                <a:lnTo>
+                  <a:pt x="120000" y="120000"/>
+                </a:lnTo>
+                <a:lnTo>
+                  <a:pt x="0" y="120000"/>
+                </a:lnTo>
+                <a:close/>
+              </a:path>
+            </a:pathLst>
+          </a:custGeom>
+        </p:spPr>
+      </p:sp>
+      <p:sp>
+        <p:nvSpPr>
+          <p:cNvPr id="500" name="Google Shape;500;g35ed75ccf_022:notes"/>
           <p:cNvSpPr txBox="1">
             <a:spLocks noGrp="1"/>
           </p:cNvSpPr>
@@ -11696,887 +11641,6 @@
 </file>
 
 <file path=ppt/slideLayouts/slideLayout4.xml><?xml version="1.0" encoding="utf-8"?>
-<p:sldLayout xmlns:a="http://schemas.openxmlformats.org/drawingml/2006/main" xmlns:r="http://schemas.openxmlformats.org/officeDocument/2006/relationships" xmlns:p="http://schemas.openxmlformats.org/presentationml/2006/main" matchingName="Title + 1 column" type="tx">
-  <p:cSld name="TITLE_AND_BODY">
-    <p:spTree>
-      <p:nvGrpSpPr>
-        <p:cNvPr id="1" name="Shape 61"/>
-        <p:cNvGrpSpPr/>
-        <p:nvPr/>
-      </p:nvGrpSpPr>
-      <p:grpSpPr>
-        <a:xfrm>
-          <a:off x="0" y="0"/>
-          <a:ext cx="0" cy="0"/>
-          <a:chOff x="0" y="0"/>
-          <a:chExt cx="0" cy="0"/>
-        </a:xfrm>
-      </p:grpSpPr>
-      <p:grpSp>
-        <p:nvGrpSpPr>
-          <p:cNvPr id="62" name="Google Shape;62;p5"/>
-          <p:cNvGrpSpPr/>
-          <p:nvPr/>
-        </p:nvGrpSpPr>
-        <p:grpSpPr>
-          <a:xfrm>
-            <a:off x="6946842" y="4472723"/>
-            <a:ext cx="2202830" cy="670795"/>
-            <a:chOff x="5575242" y="4472723"/>
-            <a:chExt cx="2202830" cy="670795"/>
-          </a:xfrm>
-        </p:grpSpPr>
-        <p:sp>
-          <p:nvSpPr>
-            <p:cNvPr id="63" name="Google Shape;63;p5"/>
-            <p:cNvSpPr/>
-            <p:nvPr/>
-          </p:nvSpPr>
-          <p:spPr>
-            <a:xfrm rot="10800000">
-              <a:off x="5575242" y="4948334"/>
-              <a:ext cx="394200" cy="131400"/>
-            </a:xfrm>
-            <a:prstGeom prst="triangle">
-              <a:avLst>
-                <a:gd name="adj" fmla="val 32425"/>
-              </a:avLst>
-            </a:prstGeom>
-            <a:solidFill>
-              <a:schemeClr val="accent6"/>
-            </a:solidFill>
-            <a:ln>
-              <a:noFill/>
-            </a:ln>
-          </p:spPr>
-          <p:txBody>
-            <a:bodyPr spcFirstLastPara="1" wrap="square" lIns="91425" tIns="91425" rIns="91425" bIns="91425" anchor="ctr" anchorCtr="0">
-              <a:noAutofit/>
-            </a:bodyPr>
-            <a:lstStyle/>
-            <a:p>
-              <a:pPr marL="0" lvl="0" indent="0" algn="l" rtl="0">
-                <a:spcBef>
-                  <a:spcPts val="0"/>
-                </a:spcBef>
-                <a:spcAft>
-                  <a:spcPts val="0"/>
-                </a:spcAft>
-                <a:buNone/>
-              </a:pPr>
-              <a:endParaRPr/>
-            </a:p>
-          </p:txBody>
-        </p:sp>
-        <p:grpSp>
-          <p:nvGrpSpPr>
-            <p:cNvPr id="64" name="Google Shape;64;p5"/>
-            <p:cNvGrpSpPr/>
-            <p:nvPr/>
-          </p:nvGrpSpPr>
-          <p:grpSpPr>
-            <a:xfrm flipH="1">
-              <a:off x="5734850" y="4472723"/>
-              <a:ext cx="2040837" cy="670795"/>
-              <a:chOff x="1297954" y="330075"/>
-              <a:chExt cx="5169293" cy="1699506"/>
-            </a:xfrm>
-          </p:grpSpPr>
-          <p:sp>
-            <p:nvSpPr>
-              <p:cNvPr id="65" name="Google Shape;65;p5"/>
-              <p:cNvSpPr/>
-              <p:nvPr/>
-            </p:nvSpPr>
-            <p:spPr>
-              <a:xfrm>
-                <a:off x="1297954" y="330081"/>
-                <a:ext cx="3476700" cy="1699500"/>
-              </a:xfrm>
-              <a:prstGeom prst="rect">
-                <a:avLst/>
-              </a:prstGeom>
-              <a:solidFill>
-                <a:schemeClr val="accent4"/>
-              </a:solidFill>
-              <a:ln>
-                <a:noFill/>
-              </a:ln>
-            </p:spPr>
-            <p:txBody>
-              <a:bodyPr spcFirstLastPara="1" wrap="square" lIns="91425" tIns="91425" rIns="91425" bIns="91425" anchor="ctr" anchorCtr="0">
-                <a:noAutofit/>
-              </a:bodyPr>
-              <a:lstStyle/>
-              <a:p>
-                <a:pPr marL="0" lvl="0" indent="0" algn="l" rtl="0">
-                  <a:spcBef>
-                    <a:spcPts val="0"/>
-                  </a:spcBef>
-                  <a:spcAft>
-                    <a:spcPts val="0"/>
-                  </a:spcAft>
-                  <a:buNone/>
-                </a:pPr>
-                <a:endParaRPr/>
-              </a:p>
-            </p:txBody>
-          </p:sp>
-          <p:sp>
-            <p:nvSpPr>
-              <p:cNvPr id="66" name="Google Shape;66;p5"/>
-              <p:cNvSpPr/>
-              <p:nvPr/>
-            </p:nvSpPr>
-            <p:spPr>
-              <a:xfrm>
-                <a:off x="4767747" y="330075"/>
-                <a:ext cx="1699500" cy="1699500"/>
-              </a:xfrm>
-              <a:prstGeom prst="rtTriangle">
-                <a:avLst/>
-              </a:prstGeom>
-              <a:solidFill>
-                <a:schemeClr val="accent4"/>
-              </a:solidFill>
-              <a:ln>
-                <a:noFill/>
-              </a:ln>
-            </p:spPr>
-            <p:txBody>
-              <a:bodyPr spcFirstLastPara="1" wrap="square" lIns="91425" tIns="91425" rIns="91425" bIns="91425" anchor="ctr" anchorCtr="0">
-                <a:noAutofit/>
-              </a:bodyPr>
-              <a:lstStyle/>
-              <a:p>
-                <a:pPr marL="0" lvl="0" indent="0" algn="l" rtl="0">
-                  <a:spcBef>
-                    <a:spcPts val="0"/>
-                  </a:spcBef>
-                  <a:spcAft>
-                    <a:spcPts val="0"/>
-                  </a:spcAft>
-                  <a:buNone/>
-                </a:pPr>
-                <a:endParaRPr/>
-              </a:p>
-            </p:txBody>
-          </p:sp>
-        </p:grpSp>
-        <p:grpSp>
-          <p:nvGrpSpPr>
-            <p:cNvPr id="67" name="Google Shape;67;p5"/>
-            <p:cNvGrpSpPr/>
-            <p:nvPr/>
-          </p:nvGrpSpPr>
-          <p:grpSpPr>
-            <a:xfrm flipH="1">
-              <a:off x="5578209" y="4646738"/>
-              <a:ext cx="2199863" cy="304563"/>
-              <a:chOff x="-5827153" y="330075"/>
-              <a:chExt cx="12276019" cy="1699569"/>
-            </a:xfrm>
-          </p:grpSpPr>
-          <p:sp>
-            <p:nvSpPr>
-              <p:cNvPr id="68" name="Google Shape;68;p5"/>
-              <p:cNvSpPr/>
-              <p:nvPr/>
-            </p:nvSpPr>
-            <p:spPr>
-              <a:xfrm>
-                <a:off x="-5827153" y="330144"/>
-                <a:ext cx="10612200" cy="1699500"/>
-              </a:xfrm>
-              <a:prstGeom prst="rect">
-                <a:avLst/>
-              </a:prstGeom>
-              <a:solidFill>
-                <a:schemeClr val="accent5"/>
-              </a:solidFill>
-              <a:ln>
-                <a:noFill/>
-              </a:ln>
-            </p:spPr>
-            <p:txBody>
-              <a:bodyPr spcFirstLastPara="1" wrap="square" lIns="91425" tIns="91425" rIns="91425" bIns="91425" anchor="ctr" anchorCtr="0">
-                <a:noAutofit/>
-              </a:bodyPr>
-              <a:lstStyle/>
-              <a:p>
-                <a:pPr marL="0" lvl="0" indent="0" algn="l" rtl="0">
-                  <a:spcBef>
-                    <a:spcPts val="0"/>
-                  </a:spcBef>
-                  <a:spcAft>
-                    <a:spcPts val="0"/>
-                  </a:spcAft>
-                  <a:buNone/>
-                </a:pPr>
-                <a:endParaRPr/>
-              </a:p>
-            </p:txBody>
-          </p:sp>
-          <p:sp>
-            <p:nvSpPr>
-              <p:cNvPr id="69" name="Google Shape;69;p5"/>
-              <p:cNvSpPr/>
-              <p:nvPr/>
-            </p:nvSpPr>
-            <p:spPr>
-              <a:xfrm>
-                <a:off x="4749366" y="330075"/>
-                <a:ext cx="1699500" cy="1699500"/>
-              </a:xfrm>
-              <a:prstGeom prst="rtTriangle">
-                <a:avLst/>
-              </a:prstGeom>
-              <a:solidFill>
-                <a:schemeClr val="accent5"/>
-              </a:solidFill>
-              <a:ln>
-                <a:noFill/>
-              </a:ln>
-            </p:spPr>
-            <p:txBody>
-              <a:bodyPr spcFirstLastPara="1" wrap="square" lIns="91425" tIns="91425" rIns="91425" bIns="91425" anchor="ctr" anchorCtr="0">
-                <a:noAutofit/>
-              </a:bodyPr>
-              <a:lstStyle/>
-              <a:p>
-                <a:pPr marL="0" lvl="0" indent="0" algn="l" rtl="0">
-                  <a:spcBef>
-                    <a:spcPts val="0"/>
-                  </a:spcBef>
-                  <a:spcAft>
-                    <a:spcPts val="0"/>
-                  </a:spcAft>
-                  <a:buNone/>
-                </a:pPr>
-                <a:endParaRPr/>
-              </a:p>
-            </p:txBody>
-          </p:sp>
-        </p:grpSp>
-      </p:grpSp>
-      <p:grpSp>
-        <p:nvGrpSpPr>
-          <p:cNvPr id="70" name="Google Shape;70;p5"/>
-          <p:cNvGrpSpPr/>
-          <p:nvPr/>
-        </p:nvGrpSpPr>
-        <p:grpSpPr>
-          <a:xfrm>
-            <a:off x="-4" y="40"/>
-            <a:ext cx="7072430" cy="1327315"/>
-            <a:chOff x="-4" y="40"/>
-            <a:chExt cx="7072430" cy="1327315"/>
-          </a:xfrm>
-        </p:grpSpPr>
-        <p:sp>
-          <p:nvSpPr>
-            <p:cNvPr id="71" name="Google Shape;71;p5"/>
-            <p:cNvSpPr/>
-            <p:nvPr/>
-          </p:nvSpPr>
-          <p:spPr>
-            <a:xfrm>
-              <a:off x="6292649" y="126425"/>
-              <a:ext cx="779700" cy="259800"/>
-            </a:xfrm>
-            <a:prstGeom prst="triangle">
-              <a:avLst>
-                <a:gd name="adj" fmla="val 32425"/>
-              </a:avLst>
-            </a:prstGeom>
-            <a:solidFill>
-              <a:schemeClr val="accent2"/>
-            </a:solidFill>
-            <a:ln>
-              <a:noFill/>
-            </a:ln>
-          </p:spPr>
-          <p:txBody>
-            <a:bodyPr spcFirstLastPara="1" wrap="square" lIns="91425" tIns="91425" rIns="91425" bIns="91425" anchor="ctr" anchorCtr="0">
-              <a:noAutofit/>
-            </a:bodyPr>
-            <a:lstStyle/>
-            <a:p>
-              <a:pPr marL="0" lvl="0" indent="0" algn="l" rtl="0">
-                <a:spcBef>
-                  <a:spcPts val="0"/>
-                </a:spcBef>
-                <a:spcAft>
-                  <a:spcPts val="0"/>
-                </a:spcAft>
-                <a:buNone/>
-              </a:pPr>
-              <a:endParaRPr>
-                <a:latin typeface="Arvo"/>
-                <a:ea typeface="Arvo"/>
-                <a:cs typeface="Arvo"/>
-                <a:sym typeface="Arvo"/>
-              </a:endParaRPr>
-            </a:p>
-          </p:txBody>
-        </p:sp>
-        <p:grpSp>
-          <p:nvGrpSpPr>
-            <p:cNvPr id="72" name="Google Shape;72;p5"/>
-            <p:cNvGrpSpPr/>
-            <p:nvPr/>
-          </p:nvGrpSpPr>
-          <p:grpSpPr>
-            <a:xfrm rot="10800000" flipH="1">
-              <a:off x="3" y="40"/>
-              <a:ext cx="6756168" cy="1327315"/>
-              <a:chOff x="-2168138" y="330075"/>
-              <a:chExt cx="8650663" cy="1699506"/>
-            </a:xfrm>
-          </p:grpSpPr>
-          <p:sp>
-            <p:nvSpPr>
-              <p:cNvPr id="73" name="Google Shape;73;p5"/>
-              <p:cNvSpPr/>
-              <p:nvPr/>
-            </p:nvSpPr>
-            <p:spPr>
-              <a:xfrm>
-                <a:off x="-2168138" y="330081"/>
-                <a:ext cx="6958200" cy="1699500"/>
-              </a:xfrm>
-              <a:prstGeom prst="rect">
-                <a:avLst/>
-              </a:prstGeom>
-              <a:solidFill>
-                <a:schemeClr val="accent4"/>
-              </a:solidFill>
-              <a:ln>
-                <a:noFill/>
-              </a:ln>
-            </p:spPr>
-            <p:txBody>
-              <a:bodyPr spcFirstLastPara="1" wrap="square" lIns="91425" tIns="91425" rIns="91425" bIns="91425" anchor="ctr" anchorCtr="0">
-                <a:noAutofit/>
-              </a:bodyPr>
-              <a:lstStyle/>
-              <a:p>
-                <a:pPr marL="0" lvl="0" indent="0" algn="l" rtl="0">
-                  <a:spcBef>
-                    <a:spcPts val="0"/>
-                  </a:spcBef>
-                  <a:spcAft>
-                    <a:spcPts val="0"/>
-                  </a:spcAft>
-                  <a:buNone/>
-                </a:pPr>
-                <a:endParaRPr>
-                  <a:latin typeface="Arvo"/>
-                  <a:ea typeface="Arvo"/>
-                  <a:cs typeface="Arvo"/>
-                  <a:sym typeface="Arvo"/>
-                </a:endParaRPr>
-              </a:p>
-            </p:txBody>
-          </p:sp>
-          <p:sp>
-            <p:nvSpPr>
-              <p:cNvPr id="74" name="Google Shape;74;p5"/>
-              <p:cNvSpPr/>
-              <p:nvPr/>
-            </p:nvSpPr>
-            <p:spPr>
-              <a:xfrm>
-                <a:off x="4783025" y="330075"/>
-                <a:ext cx="1699500" cy="1699500"/>
-              </a:xfrm>
-              <a:prstGeom prst="rtTriangle">
-                <a:avLst/>
-              </a:prstGeom>
-              <a:solidFill>
-                <a:schemeClr val="accent4"/>
-              </a:solidFill>
-              <a:ln>
-                <a:noFill/>
-              </a:ln>
-            </p:spPr>
-            <p:txBody>
-              <a:bodyPr spcFirstLastPara="1" wrap="square" lIns="91425" tIns="91425" rIns="91425" bIns="91425" anchor="ctr" anchorCtr="0">
-                <a:noAutofit/>
-              </a:bodyPr>
-              <a:lstStyle/>
-              <a:p>
-                <a:pPr marL="0" lvl="0" indent="0" algn="l" rtl="0">
-                  <a:spcBef>
-                    <a:spcPts val="0"/>
-                  </a:spcBef>
-                  <a:spcAft>
-                    <a:spcPts val="0"/>
-                  </a:spcAft>
-                  <a:buNone/>
-                </a:pPr>
-                <a:endParaRPr>
-                  <a:latin typeface="Arvo"/>
-                  <a:ea typeface="Arvo"/>
-                  <a:cs typeface="Arvo"/>
-                  <a:sym typeface="Arvo"/>
-                </a:endParaRPr>
-              </a:p>
-            </p:txBody>
-          </p:sp>
-        </p:grpSp>
-        <p:grpSp>
-          <p:nvGrpSpPr>
-            <p:cNvPr id="75" name="Google Shape;75;p5"/>
-            <p:cNvGrpSpPr/>
-            <p:nvPr/>
-          </p:nvGrpSpPr>
-          <p:grpSpPr>
-            <a:xfrm rot="10800000" flipH="1">
-              <a:off x="-4" y="381007"/>
-              <a:ext cx="7072430" cy="771744"/>
-              <a:chOff x="-9092084" y="330075"/>
-              <a:chExt cx="15574609" cy="1699501"/>
-            </a:xfrm>
-          </p:grpSpPr>
-          <p:sp>
-            <p:nvSpPr>
-              <p:cNvPr id="76" name="Google Shape;76;p5"/>
-              <p:cNvSpPr/>
-              <p:nvPr/>
-            </p:nvSpPr>
-            <p:spPr>
-              <a:xfrm>
-                <a:off x="-9092084" y="330076"/>
-                <a:ext cx="13882200" cy="1699500"/>
-              </a:xfrm>
-              <a:prstGeom prst="rect">
-                <a:avLst/>
-              </a:prstGeom>
-              <a:solidFill>
-                <a:schemeClr val="accent1"/>
-              </a:solidFill>
-              <a:ln>
-                <a:noFill/>
-              </a:ln>
-            </p:spPr>
-            <p:txBody>
-              <a:bodyPr spcFirstLastPara="1" wrap="square" lIns="91425" tIns="91425" rIns="91425" bIns="91425" anchor="ctr" anchorCtr="0">
-                <a:noAutofit/>
-              </a:bodyPr>
-              <a:lstStyle/>
-              <a:p>
-                <a:pPr marL="0" lvl="0" indent="0" algn="l" rtl="0">
-                  <a:spcBef>
-                    <a:spcPts val="0"/>
-                  </a:spcBef>
-                  <a:spcAft>
-                    <a:spcPts val="0"/>
-                  </a:spcAft>
-                  <a:buNone/>
-                </a:pPr>
-                <a:endParaRPr>
-                  <a:latin typeface="Arvo"/>
-                  <a:ea typeface="Arvo"/>
-                  <a:cs typeface="Arvo"/>
-                  <a:sym typeface="Arvo"/>
-                </a:endParaRPr>
-              </a:p>
-            </p:txBody>
-          </p:sp>
-          <p:sp>
-            <p:nvSpPr>
-              <p:cNvPr id="77" name="Google Shape;77;p5"/>
-              <p:cNvSpPr/>
-              <p:nvPr/>
-            </p:nvSpPr>
-            <p:spPr>
-              <a:xfrm>
-                <a:off x="4783025" y="330075"/>
-                <a:ext cx="1699500" cy="1699500"/>
-              </a:xfrm>
-              <a:prstGeom prst="rtTriangle">
-                <a:avLst/>
-              </a:prstGeom>
-              <a:solidFill>
-                <a:schemeClr val="accent1"/>
-              </a:solidFill>
-              <a:ln>
-                <a:noFill/>
-              </a:ln>
-            </p:spPr>
-            <p:txBody>
-              <a:bodyPr spcFirstLastPara="1" wrap="square" lIns="91425" tIns="91425" rIns="91425" bIns="91425" anchor="ctr" anchorCtr="0">
-                <a:noAutofit/>
-              </a:bodyPr>
-              <a:lstStyle/>
-              <a:p>
-                <a:pPr marL="0" lvl="0" indent="0" algn="l" rtl="0">
-                  <a:spcBef>
-                    <a:spcPts val="0"/>
-                  </a:spcBef>
-                  <a:spcAft>
-                    <a:spcPts val="0"/>
-                  </a:spcAft>
-                  <a:buNone/>
-                </a:pPr>
-                <a:endParaRPr>
-                  <a:latin typeface="Arvo"/>
-                  <a:ea typeface="Arvo"/>
-                  <a:cs typeface="Arvo"/>
-                  <a:sym typeface="Arvo"/>
-                </a:endParaRPr>
-              </a:p>
-            </p:txBody>
-          </p:sp>
-        </p:grpSp>
-      </p:grpSp>
-      <p:sp>
-        <p:nvSpPr>
-          <p:cNvPr id="78" name="Google Shape;78;p5"/>
-          <p:cNvSpPr txBox="1">
-            <a:spLocks noGrp="1"/>
-          </p:cNvSpPr>
-          <p:nvPr>
-            <p:ph type="title"/>
-          </p:nvPr>
-        </p:nvSpPr>
-        <p:spPr>
-          <a:xfrm>
-            <a:off x="814275" y="392575"/>
-            <a:ext cx="5492400" cy="766200"/>
-          </a:xfrm>
-          <a:prstGeom prst="rect">
-            <a:avLst/>
-          </a:prstGeom>
-        </p:spPr>
-        <p:txBody>
-          <a:bodyPr spcFirstLastPara="1" wrap="square" lIns="91425" tIns="91425" rIns="91425" bIns="91425" anchor="ctr" anchorCtr="0">
-            <a:noAutofit/>
-          </a:bodyPr>
-          <a:lstStyle>
-            <a:lvl1pPr lvl="0">
-              <a:spcBef>
-                <a:spcPts val="0"/>
-              </a:spcBef>
-              <a:spcAft>
-                <a:spcPts val="0"/>
-              </a:spcAft>
-              <a:buSzPts val="2000"/>
-              <a:buNone/>
-              <a:defRPr/>
-            </a:lvl1pPr>
-            <a:lvl2pPr lvl="1">
-              <a:spcBef>
-                <a:spcPts val="0"/>
-              </a:spcBef>
-              <a:spcAft>
-                <a:spcPts val="0"/>
-              </a:spcAft>
-              <a:buSzPts val="2000"/>
-              <a:buNone/>
-              <a:defRPr/>
-            </a:lvl2pPr>
-            <a:lvl3pPr lvl="2">
-              <a:spcBef>
-                <a:spcPts val="0"/>
-              </a:spcBef>
-              <a:spcAft>
-                <a:spcPts val="0"/>
-              </a:spcAft>
-              <a:buSzPts val="2000"/>
-              <a:buNone/>
-              <a:defRPr/>
-            </a:lvl3pPr>
-            <a:lvl4pPr lvl="3">
-              <a:spcBef>
-                <a:spcPts val="0"/>
-              </a:spcBef>
-              <a:spcAft>
-                <a:spcPts val="0"/>
-              </a:spcAft>
-              <a:buSzPts val="2000"/>
-              <a:buNone/>
-              <a:defRPr/>
-            </a:lvl4pPr>
-            <a:lvl5pPr lvl="4">
-              <a:spcBef>
-                <a:spcPts val="0"/>
-              </a:spcBef>
-              <a:spcAft>
-                <a:spcPts val="0"/>
-              </a:spcAft>
-              <a:buSzPts val="2000"/>
-              <a:buNone/>
-              <a:defRPr/>
-            </a:lvl5pPr>
-            <a:lvl6pPr lvl="5">
-              <a:spcBef>
-                <a:spcPts val="0"/>
-              </a:spcBef>
-              <a:spcAft>
-                <a:spcPts val="0"/>
-              </a:spcAft>
-              <a:buSzPts val="2000"/>
-              <a:buNone/>
-              <a:defRPr/>
-            </a:lvl6pPr>
-            <a:lvl7pPr lvl="6">
-              <a:spcBef>
-                <a:spcPts val="0"/>
-              </a:spcBef>
-              <a:spcAft>
-                <a:spcPts val="0"/>
-              </a:spcAft>
-              <a:buSzPts val="2000"/>
-              <a:buNone/>
-              <a:defRPr/>
-            </a:lvl7pPr>
-            <a:lvl8pPr lvl="7">
-              <a:spcBef>
-                <a:spcPts val="0"/>
-              </a:spcBef>
-              <a:spcAft>
-                <a:spcPts val="0"/>
-              </a:spcAft>
-              <a:buSzPts val="2000"/>
-              <a:buNone/>
-              <a:defRPr/>
-            </a:lvl8pPr>
-            <a:lvl9pPr lvl="8">
-              <a:spcBef>
-                <a:spcPts val="0"/>
-              </a:spcBef>
-              <a:spcAft>
-                <a:spcPts val="0"/>
-              </a:spcAft>
-              <a:buSzPts val="2000"/>
-              <a:buNone/>
-              <a:defRPr/>
-            </a:lvl9pPr>
-          </a:lstStyle>
-          <a:p>
-            <a:endParaRPr/>
-          </a:p>
-        </p:txBody>
-      </p:sp>
-      <p:sp>
-        <p:nvSpPr>
-          <p:cNvPr id="79" name="Google Shape;79;p5"/>
-          <p:cNvSpPr txBox="1">
-            <a:spLocks noGrp="1"/>
-          </p:cNvSpPr>
-          <p:nvPr>
-            <p:ph type="body" idx="1"/>
-          </p:nvPr>
-        </p:nvSpPr>
-        <p:spPr>
-          <a:xfrm>
-            <a:off x="814275" y="1327350"/>
-            <a:ext cx="6132600" cy="3145500"/>
-          </a:xfrm>
-          <a:prstGeom prst="rect">
-            <a:avLst/>
-          </a:prstGeom>
-        </p:spPr>
-        <p:txBody>
-          <a:bodyPr spcFirstLastPara="1" wrap="square" lIns="91425" tIns="91425" rIns="91425" bIns="91425" anchor="ctr" anchorCtr="0">
-            <a:noAutofit/>
-          </a:bodyPr>
-          <a:lstStyle>
-            <a:lvl1pPr marL="457200" lvl="0" indent="-381000">
-              <a:spcBef>
-                <a:spcPts val="600"/>
-              </a:spcBef>
-              <a:spcAft>
-                <a:spcPts val="0"/>
-              </a:spcAft>
-              <a:buSzPts val="2400"/>
-              <a:buChar char="▰"/>
-              <a:defRPr/>
-            </a:lvl1pPr>
-            <a:lvl2pPr marL="914400" lvl="1" indent="-381000">
-              <a:spcBef>
-                <a:spcPts val="1000"/>
-              </a:spcBef>
-              <a:spcAft>
-                <a:spcPts val="0"/>
-              </a:spcAft>
-              <a:buSzPts val="2400"/>
-              <a:buChar char="▻"/>
-              <a:defRPr/>
-            </a:lvl2pPr>
-            <a:lvl3pPr marL="1371600" lvl="2" indent="-381000">
-              <a:spcBef>
-                <a:spcPts val="1000"/>
-              </a:spcBef>
-              <a:spcAft>
-                <a:spcPts val="0"/>
-              </a:spcAft>
-              <a:buSzPts val="2400"/>
-              <a:buChar char="▻"/>
-              <a:defRPr/>
-            </a:lvl3pPr>
-            <a:lvl4pPr marL="1828800" lvl="3" indent="-381000">
-              <a:spcBef>
-                <a:spcPts val="1000"/>
-              </a:spcBef>
-              <a:spcAft>
-                <a:spcPts val="0"/>
-              </a:spcAft>
-              <a:buSzPts val="2400"/>
-              <a:buChar char="▻"/>
-              <a:defRPr/>
-            </a:lvl4pPr>
-            <a:lvl5pPr marL="2286000" lvl="4" indent="-381000">
-              <a:spcBef>
-                <a:spcPts val="1000"/>
-              </a:spcBef>
-              <a:spcAft>
-                <a:spcPts val="0"/>
-              </a:spcAft>
-              <a:buSzPts val="2400"/>
-              <a:buChar char="▻"/>
-              <a:defRPr/>
-            </a:lvl5pPr>
-            <a:lvl6pPr marL="2743200" lvl="5" indent="-381000">
-              <a:spcBef>
-                <a:spcPts val="1000"/>
-              </a:spcBef>
-              <a:spcAft>
-                <a:spcPts val="0"/>
-              </a:spcAft>
-              <a:buSzPts val="2400"/>
-              <a:buChar char="▻"/>
-              <a:defRPr/>
-            </a:lvl6pPr>
-            <a:lvl7pPr marL="3200400" lvl="6" indent="-381000">
-              <a:spcBef>
-                <a:spcPts val="1000"/>
-              </a:spcBef>
-              <a:spcAft>
-                <a:spcPts val="0"/>
-              </a:spcAft>
-              <a:buSzPts val="2400"/>
-              <a:buChar char="▻"/>
-              <a:defRPr/>
-            </a:lvl7pPr>
-            <a:lvl8pPr marL="3657600" lvl="7" indent="-381000">
-              <a:spcBef>
-                <a:spcPts val="1000"/>
-              </a:spcBef>
-              <a:spcAft>
-                <a:spcPts val="0"/>
-              </a:spcAft>
-              <a:buSzPts val="2400"/>
-              <a:buChar char="▻"/>
-              <a:defRPr/>
-            </a:lvl8pPr>
-            <a:lvl9pPr marL="4114800" lvl="8" indent="-381000">
-              <a:spcBef>
-                <a:spcPts val="1000"/>
-              </a:spcBef>
-              <a:spcAft>
-                <a:spcPts val="1000"/>
-              </a:spcAft>
-              <a:buSzPts val="2400"/>
-              <a:buChar char="▻"/>
-              <a:defRPr/>
-            </a:lvl9pPr>
-          </a:lstStyle>
-          <a:p>
-            <a:endParaRPr/>
-          </a:p>
-        </p:txBody>
-      </p:sp>
-      <p:sp>
-        <p:nvSpPr>
-          <p:cNvPr id="80" name="Google Shape;80;p5"/>
-          <p:cNvSpPr txBox="1">
-            <a:spLocks noGrp="1"/>
-          </p:cNvSpPr>
-          <p:nvPr>
-            <p:ph type="sldNum" idx="12"/>
-          </p:nvPr>
-        </p:nvSpPr>
-        <p:spPr>
-          <a:xfrm>
-            <a:off x="7618000" y="4636500"/>
-            <a:ext cx="1487400" cy="315600"/>
-          </a:xfrm>
-          <a:prstGeom prst="rect">
-            <a:avLst/>
-          </a:prstGeom>
-        </p:spPr>
-        <p:txBody>
-          <a:bodyPr spcFirstLastPara="1" wrap="square" lIns="91425" tIns="91425" rIns="91425" bIns="91425" anchor="ctr" anchorCtr="0">
-            <a:noAutofit/>
-          </a:bodyPr>
-          <a:lstStyle>
-            <a:lvl1pPr lvl="0">
-              <a:buNone/>
-              <a:defRPr/>
-            </a:lvl1pPr>
-            <a:lvl2pPr lvl="1">
-              <a:buNone/>
-              <a:defRPr/>
-            </a:lvl2pPr>
-            <a:lvl3pPr lvl="2">
-              <a:buNone/>
-              <a:defRPr/>
-            </a:lvl3pPr>
-            <a:lvl4pPr lvl="3">
-              <a:buNone/>
-              <a:defRPr/>
-            </a:lvl4pPr>
-            <a:lvl5pPr lvl="4">
-              <a:buNone/>
-              <a:defRPr/>
-            </a:lvl5pPr>
-            <a:lvl6pPr lvl="5">
-              <a:buNone/>
-              <a:defRPr/>
-            </a:lvl6pPr>
-            <a:lvl7pPr lvl="6">
-              <a:buNone/>
-              <a:defRPr/>
-            </a:lvl7pPr>
-            <a:lvl8pPr lvl="7">
-              <a:buNone/>
-              <a:defRPr/>
-            </a:lvl8pPr>
-            <a:lvl9pPr lvl="8">
-              <a:buNone/>
-              <a:defRPr/>
-            </a:lvl9pPr>
-          </a:lstStyle>
-          <a:p>
-            <a:pPr marL="0" lvl="0" indent="0" algn="r" rtl="0">
-              <a:spcBef>
-                <a:spcPts val="0"/>
-              </a:spcBef>
-              <a:spcAft>
-                <a:spcPts val="0"/>
-              </a:spcAft>
-              <a:buNone/>
-            </a:pPr>
-            <a:fld id="{00000000-1234-1234-1234-123412341234}" type="slidenum">
-              <a:rPr lang="en"/>
-              <a:t>‹nº›</a:t>
-            </a:fld>
-            <a:endParaRPr/>
-          </a:p>
-        </p:txBody>
-      </p:sp>
-    </p:spTree>
-  </p:cSld>
-  <p:clrMapOvr>
-    <a:masterClrMapping/>
-  </p:clrMapOvr>
-</p:sldLayout>
-</file>
-
-<file path=ppt/slideLayouts/slideLayout5.xml><?xml version="1.0" encoding="utf-8"?>
 <p:sldLayout xmlns:a="http://schemas.openxmlformats.org/drawingml/2006/main" xmlns:r="http://schemas.openxmlformats.org/officeDocument/2006/relationships" xmlns:p="http://schemas.openxmlformats.org/presentationml/2006/main" matchingName="Title + 2 columns" type="twoColTx">
   <p:cSld name="TITLE_AND_TWO_COLUMNS">
     <p:spTree>
@@ -13586,7 +12650,7 @@
 </p:sldLayout>
 </file>
 
-<file path=ppt/slideLayouts/slideLayout6.xml><?xml version="1.0" encoding="utf-8"?>
+<file path=ppt/slideLayouts/slideLayout5.xml><?xml version="1.0" encoding="utf-8"?>
 <p:sldLayout xmlns:a="http://schemas.openxmlformats.org/drawingml/2006/main" xmlns:r="http://schemas.openxmlformats.org/officeDocument/2006/relationships" xmlns:p="http://schemas.openxmlformats.org/presentationml/2006/main" matchingName="Title + 3 columns">
   <p:cSld name="TITLE_AND_TWO_COLUMNS_1">
     <p:spTree>
@@ -14725,7 +13789,7 @@
 </p:sldLayout>
 </file>
 
-<file path=ppt/slideLayouts/slideLayout7.xml><?xml version="1.0" encoding="utf-8"?>
+<file path=ppt/slideLayouts/slideLayout6.xml><?xml version="1.0" encoding="utf-8"?>
 <p:sldLayout xmlns:a="http://schemas.openxmlformats.org/drawingml/2006/main" xmlns:r="http://schemas.openxmlformats.org/officeDocument/2006/relationships" xmlns:p="http://schemas.openxmlformats.org/presentationml/2006/main" matchingName="Title only" type="titleOnly">
   <p:cSld name="TITLE_ONLY">
     <p:spTree>
@@ -15477,7 +14541,7 @@
 </p:sldLayout>
 </file>
 
-<file path=ppt/slideLayouts/slideLayout8.xml><?xml version="1.0" encoding="utf-8"?>
+<file path=ppt/slideLayouts/slideLayout7.xml><?xml version="1.0" encoding="utf-8"?>
 <p:sldLayout xmlns:a="http://schemas.openxmlformats.org/drawingml/2006/main" xmlns:r="http://schemas.openxmlformats.org/officeDocument/2006/relationships" xmlns:p="http://schemas.openxmlformats.org/presentationml/2006/main" matchingName="Caption">
   <p:cSld name="CAPTION_ONLY">
     <p:spTree>
@@ -16116,7 +15180,7 @@
 </p:sldLayout>
 </file>
 
-<file path=ppt/slideLayouts/slideLayout9.xml><?xml version="1.0" encoding="utf-8"?>
+<file path=ppt/slideLayouts/slideLayout8.xml><?xml version="1.0" encoding="utf-8"?>
 <p:sldLayout xmlns:a="http://schemas.openxmlformats.org/drawingml/2006/main" xmlns:r="http://schemas.openxmlformats.org/officeDocument/2006/relationships" xmlns:p="http://schemas.openxmlformats.org/presentationml/2006/main" matchingName="Blank" type="blank">
   <p:cSld name="BLANK">
     <p:spTree>
@@ -17383,12 +16447,11 @@
     <p:sldLayoutId id="2147483648" r:id="rId1"/>
     <p:sldLayoutId id="2147483649" r:id="rId2"/>
     <p:sldLayoutId id="2147483650" r:id="rId3"/>
-    <p:sldLayoutId id="2147483651" r:id="rId4"/>
-    <p:sldLayoutId id="2147483652" r:id="rId5"/>
-    <p:sldLayoutId id="2147483653" r:id="rId6"/>
-    <p:sldLayoutId id="2147483654" r:id="rId7"/>
-    <p:sldLayoutId id="2147483655" r:id="rId8"/>
-    <p:sldLayoutId id="2147483656" r:id="rId9"/>
+    <p:sldLayoutId id="2147483652" r:id="rId4"/>
+    <p:sldLayoutId id="2147483653" r:id="rId5"/>
+    <p:sldLayoutId id="2147483654" r:id="rId6"/>
+    <p:sldLayoutId id="2147483655" r:id="rId7"/>
+    <p:sldLayoutId id="2147483656" r:id="rId8"/>
   </p:sldLayoutIdLst>
   <p:transition>
     <p:fade thruBlk="1"/>
@@ -18128,6 +17191,10 @@
           </a:bodyPr>
           <a:lstStyle/>
           <a:p>
+            <a:r>
+              <a:rPr lang="en" sz="3200" dirty="0"/>
+              <a:t/>
+            </a:r>
             <a:br>
               <a:rPr lang="en" sz="3200" dirty="0"/>
             </a:br>
@@ -18150,643 +17217,17 @@
   <p:clrMapOvr>
     <a:masterClrMapping/>
   </p:clrMapOvr>
+  <p:timing>
+    <p:tnLst>
+      <p:par>
+        <p:cTn id="1" dur="indefinite" restart="never" nodeType="tmRoot"/>
+      </p:par>
+    </p:tnLst>
+  </p:timing>
 </p:sld>
 </file>
 
 <file path=ppt/slides/slide10.xml><?xml version="1.0" encoding="utf-8"?>
-<p:sld xmlns:a="http://schemas.openxmlformats.org/drawingml/2006/main" xmlns:r="http://schemas.openxmlformats.org/officeDocument/2006/relationships" xmlns:p="http://schemas.openxmlformats.org/presentationml/2006/main">
-  <p:cSld>
-    <p:spTree>
-      <p:nvGrpSpPr>
-        <p:cNvPr id="1" name=""/>
-        <p:cNvGrpSpPr/>
-        <p:nvPr/>
-      </p:nvGrpSpPr>
-      <p:grpSpPr>
-        <a:xfrm>
-          <a:off x="0" y="0"/>
-          <a:ext cx="0" cy="0"/>
-          <a:chOff x="0" y="0"/>
-          <a:chExt cx="0" cy="0"/>
-        </a:xfrm>
-      </p:grpSpPr>
-      <p:sp>
-        <p:nvSpPr>
-          <p:cNvPr id="2" name="Slide Number Placeholder 1">
-            <a:extLst>
-              <a:ext uri="{FF2B5EF4-FFF2-40B4-BE49-F238E27FC236}">
-                <a16:creationId xmlns:a16="http://schemas.microsoft.com/office/drawing/2014/main" id="{68B30319-DD16-4B4F-98EF-C6D4B0FE418F}"/>
-              </a:ext>
-            </a:extLst>
-          </p:cNvPr>
-          <p:cNvSpPr>
-            <a:spLocks noGrp="1"/>
-          </p:cNvSpPr>
-          <p:nvPr>
-            <p:ph type="sldNum" idx="12"/>
-          </p:nvPr>
-        </p:nvSpPr>
-        <p:spPr/>
-        <p:txBody>
-          <a:bodyPr/>
-          <a:lstStyle/>
-          <a:p>
-            <a:pPr marL="0" lvl="0" indent="0" algn="r" rtl="0">
-              <a:spcBef>
-                <a:spcPts val="0"/>
-              </a:spcBef>
-              <a:spcAft>
-                <a:spcPts val="0"/>
-              </a:spcAft>
-              <a:buNone/>
-            </a:pPr>
-            <a:fld id="{00000000-1234-1234-1234-123412341234}" type="slidenum">
-              <a:rPr lang="en"/>
-              <a:t>10</a:t>
-            </a:fld>
-            <a:endParaRPr lang="en"/>
-          </a:p>
-        </p:txBody>
-      </p:sp>
-      <p:pic>
-        <p:nvPicPr>
-          <p:cNvPr id="3" name="Picture 3">
-            <a:extLst>
-              <a:ext uri="{FF2B5EF4-FFF2-40B4-BE49-F238E27FC236}">
-                <a16:creationId xmlns:a16="http://schemas.microsoft.com/office/drawing/2014/main" id="{C0D5784C-FB75-4081-83AC-7EAA5488657D}"/>
-              </a:ext>
-            </a:extLst>
-          </p:cNvPr>
-          <p:cNvPicPr>
-            <a:picLocks noChangeAspect="1"/>
-          </p:cNvPicPr>
-          <p:nvPr/>
-        </p:nvPicPr>
-        <p:blipFill>
-          <a:blip r:embed="rId2"/>
-          <a:stretch>
-            <a:fillRect/>
-          </a:stretch>
-        </p:blipFill>
-        <p:spPr>
-          <a:xfrm>
-            <a:off x="0" y="766206"/>
-            <a:ext cx="4572000" cy="3611088"/>
-          </a:xfrm>
-          <a:prstGeom prst="rect">
-            <a:avLst/>
-          </a:prstGeom>
-        </p:spPr>
-      </p:pic>
-      <p:pic>
-        <p:nvPicPr>
-          <p:cNvPr id="4" name="Picture 4" descr="A picture containing graphical user interface&#10;&#10;Description automatically generated">
-            <a:extLst>
-              <a:ext uri="{FF2B5EF4-FFF2-40B4-BE49-F238E27FC236}">
-                <a16:creationId xmlns:a16="http://schemas.microsoft.com/office/drawing/2014/main" id="{793DB743-9116-4C24-8BE2-8D63913BCEF9}"/>
-              </a:ext>
-            </a:extLst>
-          </p:cNvPr>
-          <p:cNvPicPr>
-            <a:picLocks noChangeAspect="1"/>
-          </p:cNvPicPr>
-          <p:nvPr/>
-        </p:nvPicPr>
-        <p:blipFill>
-          <a:blip r:embed="rId3"/>
-          <a:stretch>
-            <a:fillRect/>
-          </a:stretch>
-        </p:blipFill>
-        <p:spPr>
-          <a:xfrm>
-            <a:off x="4572000" y="730561"/>
-            <a:ext cx="4572000" cy="3671987"/>
-          </a:xfrm>
-          <a:prstGeom prst="rect">
-            <a:avLst/>
-          </a:prstGeom>
-        </p:spPr>
-      </p:pic>
-    </p:spTree>
-    <p:extLst>
-      <p:ext uri="{BB962C8B-B14F-4D97-AF65-F5344CB8AC3E}">
-        <p14:creationId xmlns:p14="http://schemas.microsoft.com/office/powerpoint/2010/main" val="2979521543"/>
-      </p:ext>
-    </p:extLst>
-  </p:cSld>
-  <p:clrMapOvr>
-    <a:masterClrMapping/>
-  </p:clrMapOvr>
-</p:sld>
-</file>
-
-<file path=ppt/slides/slide11.xml><?xml version="1.0" encoding="utf-8"?>
-<p:sld xmlns:a="http://schemas.openxmlformats.org/drawingml/2006/main" xmlns:r="http://schemas.openxmlformats.org/officeDocument/2006/relationships" xmlns:p="http://schemas.openxmlformats.org/presentationml/2006/main">
-  <p:cSld>
-    <p:spTree>
-      <p:nvGrpSpPr>
-        <p:cNvPr id="1" name=""/>
-        <p:cNvGrpSpPr/>
-        <p:nvPr/>
-      </p:nvGrpSpPr>
-      <p:grpSpPr>
-        <a:xfrm>
-          <a:off x="0" y="0"/>
-          <a:ext cx="0" cy="0"/>
-          <a:chOff x="0" y="0"/>
-          <a:chExt cx="0" cy="0"/>
-        </a:xfrm>
-      </p:grpSpPr>
-      <p:sp>
-        <p:nvSpPr>
-          <p:cNvPr id="2" name="Slide Number Placeholder 1">
-            <a:extLst>
-              <a:ext uri="{FF2B5EF4-FFF2-40B4-BE49-F238E27FC236}">
-                <a16:creationId xmlns:a16="http://schemas.microsoft.com/office/drawing/2014/main" id="{68B30319-DD16-4B4F-98EF-C6D4B0FE418F}"/>
-              </a:ext>
-            </a:extLst>
-          </p:cNvPr>
-          <p:cNvSpPr>
-            <a:spLocks noGrp="1"/>
-          </p:cNvSpPr>
-          <p:nvPr>
-            <p:ph type="sldNum" idx="12"/>
-          </p:nvPr>
-        </p:nvSpPr>
-        <p:spPr/>
-        <p:txBody>
-          <a:bodyPr/>
-          <a:lstStyle/>
-          <a:p>
-            <a:pPr marL="0" lvl="0" indent="0" algn="r" rtl="0">
-              <a:spcBef>
-                <a:spcPts val="0"/>
-              </a:spcBef>
-              <a:spcAft>
-                <a:spcPts val="0"/>
-              </a:spcAft>
-              <a:buNone/>
-            </a:pPr>
-            <a:fld id="{00000000-1234-1234-1234-123412341234}" type="slidenum">
-              <a:rPr lang="en"/>
-              <a:t>11</a:t>
-            </a:fld>
-            <a:endParaRPr lang="en"/>
-          </a:p>
-        </p:txBody>
-      </p:sp>
-      <p:pic>
-        <p:nvPicPr>
-          <p:cNvPr id="3" name="Picture 3">
-            <a:extLst>
-              <a:ext uri="{FF2B5EF4-FFF2-40B4-BE49-F238E27FC236}">
-                <a16:creationId xmlns:a16="http://schemas.microsoft.com/office/drawing/2014/main" id="{4DA0B990-24C7-447D-A124-B8FB5D42FEE0}"/>
-              </a:ext>
-            </a:extLst>
-          </p:cNvPr>
-          <p:cNvPicPr>
-            <a:picLocks noChangeAspect="1"/>
-          </p:cNvPicPr>
-          <p:nvPr/>
-        </p:nvPicPr>
-        <p:blipFill>
-          <a:blip r:embed="rId2"/>
-          <a:stretch>
-            <a:fillRect/>
-          </a:stretch>
-        </p:blipFill>
-        <p:spPr>
-          <a:xfrm>
-            <a:off x="0" y="777720"/>
-            <a:ext cx="4572000" cy="3588060"/>
-          </a:xfrm>
-          <a:prstGeom prst="rect">
-            <a:avLst/>
-          </a:prstGeom>
-        </p:spPr>
-      </p:pic>
-      <p:pic>
-        <p:nvPicPr>
-          <p:cNvPr id="4" name="Picture 4">
-            <a:extLst>
-              <a:ext uri="{FF2B5EF4-FFF2-40B4-BE49-F238E27FC236}">
-                <a16:creationId xmlns:a16="http://schemas.microsoft.com/office/drawing/2014/main" id="{769FC5CD-F227-4B01-A70F-8D478E2DC1C6}"/>
-              </a:ext>
-            </a:extLst>
-          </p:cNvPr>
-          <p:cNvPicPr>
-            <a:picLocks noChangeAspect="1"/>
-          </p:cNvPicPr>
-          <p:nvPr/>
-        </p:nvPicPr>
-        <p:blipFill>
-          <a:blip r:embed="rId3"/>
-          <a:stretch>
-            <a:fillRect/>
-          </a:stretch>
-        </p:blipFill>
-        <p:spPr>
-          <a:xfrm>
-            <a:off x="4572001" y="780680"/>
-            <a:ext cx="4571999" cy="3582140"/>
-          </a:xfrm>
-          <a:prstGeom prst="rect">
-            <a:avLst/>
-          </a:prstGeom>
-        </p:spPr>
-      </p:pic>
-      <p:cxnSp>
-        <p:nvCxnSpPr>
-          <p:cNvPr id="6" name="Straight Arrow Connector 5">
-            <a:extLst>
-              <a:ext uri="{FF2B5EF4-FFF2-40B4-BE49-F238E27FC236}">
-                <a16:creationId xmlns:a16="http://schemas.microsoft.com/office/drawing/2014/main" id="{A0139AA9-8DD0-4798-B9B5-5910ED1AC8A4}"/>
-              </a:ext>
-            </a:extLst>
-          </p:cNvPr>
-          <p:cNvCxnSpPr/>
-          <p:nvPr/>
-        </p:nvCxnSpPr>
-        <p:spPr>
-          <a:xfrm>
-            <a:off x="4566119" y="776671"/>
-            <a:ext cx="10390" cy="3591725"/>
-          </a:xfrm>
-          <a:prstGeom prst="straightConnector1">
-            <a:avLst/>
-          </a:prstGeom>
-          <a:ln w="28575">
-            <a:solidFill>
-              <a:schemeClr val="accent2"/>
-            </a:solidFill>
-          </a:ln>
-        </p:spPr>
-        <p:style>
-          <a:lnRef idx="1">
-            <a:schemeClr val="accent1"/>
-          </a:lnRef>
-          <a:fillRef idx="0">
-            <a:schemeClr val="accent1"/>
-          </a:fillRef>
-          <a:effectRef idx="0">
-            <a:schemeClr val="accent1"/>
-          </a:effectRef>
-          <a:fontRef idx="minor">
-            <a:schemeClr val="tx1"/>
-          </a:fontRef>
-        </p:style>
-      </p:cxnSp>
-    </p:spTree>
-    <p:extLst>
-      <p:ext uri="{BB962C8B-B14F-4D97-AF65-F5344CB8AC3E}">
-        <p14:creationId xmlns:p14="http://schemas.microsoft.com/office/powerpoint/2010/main" val="161564560"/>
-      </p:ext>
-    </p:extLst>
-  </p:cSld>
-  <p:clrMapOvr>
-    <a:masterClrMapping/>
-  </p:clrMapOvr>
-</p:sld>
-</file>
-
-<file path=ppt/slides/slide12.xml><?xml version="1.0" encoding="utf-8"?>
-<p:sld xmlns:a="http://schemas.openxmlformats.org/drawingml/2006/main" xmlns:r="http://schemas.openxmlformats.org/officeDocument/2006/relationships" xmlns:p="http://schemas.openxmlformats.org/presentationml/2006/main">
-  <p:cSld>
-    <p:spTree>
-      <p:nvGrpSpPr>
-        <p:cNvPr id="1" name=""/>
-        <p:cNvGrpSpPr/>
-        <p:nvPr/>
-      </p:nvGrpSpPr>
-      <p:grpSpPr>
-        <a:xfrm>
-          <a:off x="0" y="0"/>
-          <a:ext cx="0" cy="0"/>
-          <a:chOff x="0" y="0"/>
-          <a:chExt cx="0" cy="0"/>
-        </a:xfrm>
-      </p:grpSpPr>
-      <p:sp>
-        <p:nvSpPr>
-          <p:cNvPr id="2" name="Title 1">
-            <a:extLst>
-              <a:ext uri="{FF2B5EF4-FFF2-40B4-BE49-F238E27FC236}">
-                <a16:creationId xmlns:a16="http://schemas.microsoft.com/office/drawing/2014/main" id="{86778853-9598-4A4C-8C5B-7AAE352F07FA}"/>
-              </a:ext>
-            </a:extLst>
-          </p:cNvPr>
-          <p:cNvSpPr>
-            <a:spLocks noGrp="1"/>
-          </p:cNvSpPr>
-          <p:nvPr>
-            <p:ph type="title"/>
-          </p:nvPr>
-        </p:nvSpPr>
-        <p:spPr/>
-        <p:txBody>
-          <a:bodyPr/>
-          <a:lstStyle/>
-          <a:p>
-            <a:r>
-              <a:rPr lang="en-US"/>
-              <a:t>Canva</a:t>
-            </a:r>
-          </a:p>
-        </p:txBody>
-      </p:sp>
-      <p:sp>
-        <p:nvSpPr>
-          <p:cNvPr id="3" name="Slide Number Placeholder 2">
-            <a:extLst>
-              <a:ext uri="{FF2B5EF4-FFF2-40B4-BE49-F238E27FC236}">
-                <a16:creationId xmlns:a16="http://schemas.microsoft.com/office/drawing/2014/main" id="{1F5245B7-7F91-452E-8004-F47972E5DA03}"/>
-              </a:ext>
-            </a:extLst>
-          </p:cNvPr>
-          <p:cNvSpPr>
-            <a:spLocks noGrp="1"/>
-          </p:cNvSpPr>
-          <p:nvPr>
-            <p:ph type="sldNum" idx="12"/>
-          </p:nvPr>
-        </p:nvSpPr>
-        <p:spPr/>
-        <p:txBody>
-          <a:bodyPr/>
-          <a:lstStyle/>
-          <a:p>
-            <a:pPr marL="0" lvl="0" indent="0" algn="r" rtl="0">
-              <a:spcBef>
-                <a:spcPts val="0"/>
-              </a:spcBef>
-              <a:spcAft>
-                <a:spcPts val="0"/>
-              </a:spcAft>
-              <a:buNone/>
-            </a:pPr>
-            <a:fld id="{00000000-1234-1234-1234-123412341234}" type="slidenum">
-              <a:rPr lang="en"/>
-              <a:t>12</a:t>
-            </a:fld>
-            <a:endParaRPr lang="en"/>
-          </a:p>
-        </p:txBody>
-      </p:sp>
-      <p:pic>
-        <p:nvPicPr>
-          <p:cNvPr id="4" name="Picture 4" descr="Diagram&#10;&#10;Description automatically generated">
-            <a:extLst>
-              <a:ext uri="{FF2B5EF4-FFF2-40B4-BE49-F238E27FC236}">
-                <a16:creationId xmlns:a16="http://schemas.microsoft.com/office/drawing/2014/main" id="{A2D2F7CF-0315-49A3-99A8-898F7DDF82BC}"/>
-              </a:ext>
-            </a:extLst>
-          </p:cNvPr>
-          <p:cNvPicPr>
-            <a:picLocks noChangeAspect="1"/>
-          </p:cNvPicPr>
-          <p:nvPr/>
-        </p:nvPicPr>
-        <p:blipFill>
-          <a:blip r:embed="rId2"/>
-          <a:stretch>
-            <a:fillRect/>
-          </a:stretch>
-        </p:blipFill>
-        <p:spPr>
-          <a:xfrm>
-            <a:off x="0" y="1166755"/>
-            <a:ext cx="7045035" cy="3973770"/>
-          </a:xfrm>
-          <a:prstGeom prst="rect">
-            <a:avLst/>
-          </a:prstGeom>
-        </p:spPr>
-      </p:pic>
-    </p:spTree>
-    <p:extLst>
-      <p:ext uri="{BB962C8B-B14F-4D97-AF65-F5344CB8AC3E}">
-        <p14:creationId xmlns:p14="http://schemas.microsoft.com/office/powerpoint/2010/main" val="2898338232"/>
-      </p:ext>
-    </p:extLst>
-  </p:cSld>
-  <p:clrMapOvr>
-    <a:masterClrMapping/>
-  </p:clrMapOvr>
-</p:sld>
-</file>
-
-<file path=ppt/slides/slide13.xml><?xml version="1.0" encoding="utf-8"?>
-<p:sld xmlns:a="http://schemas.openxmlformats.org/drawingml/2006/main" xmlns:r="http://schemas.openxmlformats.org/officeDocument/2006/relationships" xmlns:p="http://schemas.openxmlformats.org/presentationml/2006/main">
-  <p:cSld>
-    <p:spTree>
-      <p:nvGrpSpPr>
-        <p:cNvPr id="1" name=""/>
-        <p:cNvGrpSpPr/>
-        <p:nvPr/>
-      </p:nvGrpSpPr>
-      <p:grpSpPr>
-        <a:xfrm>
-          <a:off x="0" y="0"/>
-          <a:ext cx="0" cy="0"/>
-          <a:chOff x="0" y="0"/>
-          <a:chExt cx="0" cy="0"/>
-        </a:xfrm>
-      </p:grpSpPr>
-      <p:sp>
-        <p:nvSpPr>
-          <p:cNvPr id="2" name="Title 1">
-            <a:extLst>
-              <a:ext uri="{FF2B5EF4-FFF2-40B4-BE49-F238E27FC236}">
-                <a16:creationId xmlns:a16="http://schemas.microsoft.com/office/drawing/2014/main" id="{86778853-9598-4A4C-8C5B-7AAE352F07FA}"/>
-              </a:ext>
-            </a:extLst>
-          </p:cNvPr>
-          <p:cNvSpPr>
-            <a:spLocks noGrp="1"/>
-          </p:cNvSpPr>
-          <p:nvPr>
-            <p:ph type="title"/>
-          </p:nvPr>
-        </p:nvSpPr>
-        <p:spPr/>
-        <p:txBody>
-          <a:bodyPr/>
-          <a:lstStyle/>
-          <a:p>
-            <a:r>
-              <a:rPr lang="en-US"/>
-              <a:t>Proto persona</a:t>
-            </a:r>
-          </a:p>
-        </p:txBody>
-      </p:sp>
-      <p:sp>
-        <p:nvSpPr>
-          <p:cNvPr id="3" name="Slide Number Placeholder 2">
-            <a:extLst>
-              <a:ext uri="{FF2B5EF4-FFF2-40B4-BE49-F238E27FC236}">
-                <a16:creationId xmlns:a16="http://schemas.microsoft.com/office/drawing/2014/main" id="{1F5245B7-7F91-452E-8004-F47972E5DA03}"/>
-              </a:ext>
-            </a:extLst>
-          </p:cNvPr>
-          <p:cNvSpPr>
-            <a:spLocks noGrp="1"/>
-          </p:cNvSpPr>
-          <p:nvPr>
-            <p:ph type="sldNum" idx="12"/>
-          </p:nvPr>
-        </p:nvSpPr>
-        <p:spPr/>
-        <p:txBody>
-          <a:bodyPr/>
-          <a:lstStyle/>
-          <a:p>
-            <a:pPr marL="0" lvl="0" indent="0" algn="r" rtl="0">
-              <a:spcBef>
-                <a:spcPts val="0"/>
-              </a:spcBef>
-              <a:spcAft>
-                <a:spcPts val="0"/>
-              </a:spcAft>
-              <a:buNone/>
-            </a:pPr>
-            <a:fld id="{00000000-1234-1234-1234-123412341234}" type="slidenum">
-              <a:rPr lang="en"/>
-              <a:t>13</a:t>
-            </a:fld>
-            <a:endParaRPr lang="en"/>
-          </a:p>
-        </p:txBody>
-      </p:sp>
-      <p:pic>
-        <p:nvPicPr>
-          <p:cNvPr id="4" name="Picture 4" descr="A picture containing table&#10;&#10;Description automatically generated">
-            <a:extLst>
-              <a:ext uri="{FF2B5EF4-FFF2-40B4-BE49-F238E27FC236}">
-                <a16:creationId xmlns:a16="http://schemas.microsoft.com/office/drawing/2014/main" id="{65D047BF-DE83-4A7F-BE71-88DEFEA02D52}"/>
-              </a:ext>
-            </a:extLst>
-          </p:cNvPr>
-          <p:cNvPicPr>
-            <a:picLocks noChangeAspect="1"/>
-          </p:cNvPicPr>
-          <p:nvPr/>
-        </p:nvPicPr>
-        <p:blipFill>
-          <a:blip r:embed="rId2"/>
-          <a:stretch>
-            <a:fillRect/>
-          </a:stretch>
-        </p:blipFill>
-        <p:spPr>
-          <a:xfrm>
-            <a:off x="1570" y="1304206"/>
-            <a:ext cx="6819180" cy="3829049"/>
-          </a:xfrm>
-          <a:prstGeom prst="rect">
-            <a:avLst/>
-          </a:prstGeom>
-        </p:spPr>
-      </p:pic>
-      <p:cxnSp>
-        <p:nvCxnSpPr>
-          <p:cNvPr id="5" name="Straight Arrow Connector 4">
-            <a:extLst>
-              <a:ext uri="{FF2B5EF4-FFF2-40B4-BE49-F238E27FC236}">
-                <a16:creationId xmlns:a16="http://schemas.microsoft.com/office/drawing/2014/main" id="{23ADFE01-E082-409E-B8B3-0E854B6C31CE}"/>
-              </a:ext>
-            </a:extLst>
-          </p:cNvPr>
-          <p:cNvCxnSpPr/>
-          <p:nvPr/>
-        </p:nvCxnSpPr>
-        <p:spPr>
-          <a:xfrm>
-            <a:off x="6841728" y="1306607"/>
-            <a:ext cx="10390" cy="3841106"/>
-          </a:xfrm>
-          <a:prstGeom prst="straightConnector1">
-            <a:avLst/>
-          </a:prstGeom>
-          <a:ln w="28575">
-            <a:solidFill>
-              <a:schemeClr val="accent2"/>
-            </a:solidFill>
-          </a:ln>
-        </p:spPr>
-        <p:style>
-          <a:lnRef idx="1">
-            <a:schemeClr val="accent1"/>
-          </a:lnRef>
-          <a:fillRef idx="0">
-            <a:schemeClr val="accent1"/>
-          </a:fillRef>
-          <a:effectRef idx="0">
-            <a:schemeClr val="accent1"/>
-          </a:effectRef>
-          <a:fontRef idx="minor">
-            <a:schemeClr val="tx1"/>
-          </a:fontRef>
-        </p:style>
-      </p:cxnSp>
-      <p:cxnSp>
-        <p:nvCxnSpPr>
-          <p:cNvPr id="6" name="Straight Arrow Connector 5">
-            <a:extLst>
-              <a:ext uri="{FF2B5EF4-FFF2-40B4-BE49-F238E27FC236}">
-                <a16:creationId xmlns:a16="http://schemas.microsoft.com/office/drawing/2014/main" id="{9690134C-DEAD-4B25-B92D-D38894891E2A}"/>
-              </a:ext>
-            </a:extLst>
-          </p:cNvPr>
-          <p:cNvCxnSpPr>
-            <a:cxnSpLocks/>
-          </p:cNvCxnSpPr>
-          <p:nvPr/>
-        </p:nvCxnSpPr>
-        <p:spPr>
-          <a:xfrm>
-            <a:off x="-26663" y="1285433"/>
-            <a:ext cx="6878781" cy="31170"/>
-          </a:xfrm>
-          <a:prstGeom prst="straightConnector1">
-            <a:avLst/>
-          </a:prstGeom>
-          <a:ln w="28575">
-            <a:solidFill>
-              <a:schemeClr val="accent2"/>
-            </a:solidFill>
-          </a:ln>
-        </p:spPr>
-        <p:style>
-          <a:lnRef idx="1">
-            <a:schemeClr val="accent1"/>
-          </a:lnRef>
-          <a:fillRef idx="0">
-            <a:schemeClr val="accent1"/>
-          </a:fillRef>
-          <a:effectRef idx="0">
-            <a:schemeClr val="accent1"/>
-          </a:effectRef>
-          <a:fontRef idx="minor">
-            <a:schemeClr val="tx1"/>
-          </a:fontRef>
-        </p:style>
-      </p:cxnSp>
-    </p:spTree>
-    <p:extLst>
-      <p:ext uri="{BB962C8B-B14F-4D97-AF65-F5344CB8AC3E}">
-        <p14:creationId xmlns:p14="http://schemas.microsoft.com/office/powerpoint/2010/main" val="2740393317"/>
-      </p:ext>
-    </p:extLst>
-  </p:cSld>
-  <p:clrMapOvr>
-    <a:masterClrMapping/>
-  </p:clrMapOvr>
-</p:sld>
-</file>
-
-<file path=ppt/slides/slide14.xml><?xml version="1.0" encoding="utf-8"?>
 <p:sld xmlns:a="http://schemas.openxmlformats.org/drawingml/2006/main" xmlns:r="http://schemas.openxmlformats.org/officeDocument/2006/relationships" xmlns:p="http://schemas.openxmlformats.org/presentationml/2006/main">
   <p:cSld>
     <p:spTree>
@@ -18825,9 +17266,10 @@
           <a:lstStyle/>
           <a:p>
             <a:r>
-              <a:rPr lang="en-US"/>
-              <a:t>Modelagem BD</a:t>
+              <a:rPr lang="en-US" dirty="0" smtClean="0"/>
+              <a:t>LLD</a:t>
             </a:r>
+            <a:endParaRPr lang="en-US" dirty="0"/>
           </a:p>
         </p:txBody>
       </p:sp>
@@ -18863,7 +17305,7 @@
             </a:pPr>
             <a:fld id="{00000000-1234-1234-1234-123412341234}" type="slidenum">
               <a:rPr lang="en"/>
-              <a:t>14</a:t>
+              <a:t>10</a:t>
             </a:fld>
             <a:endParaRPr lang="en"/>
           </a:p>
@@ -18871,38 +17313,281 @@
       </p:sp>
       <p:pic>
         <p:nvPicPr>
-          <p:cNvPr id="4" name="Picture 4" descr="Diagram&#10;&#10;Description automatically generated">
-            <a:extLst>
-              <a:ext uri="{FF2B5EF4-FFF2-40B4-BE49-F238E27FC236}">
-                <a16:creationId xmlns:a16="http://schemas.microsoft.com/office/drawing/2014/main" id="{F4F1E1AD-E4A7-429A-881D-1D8F00635FCB}"/>
-              </a:ext>
-            </a:extLst>
-          </p:cNvPr>
+          <p:cNvPr id="4" name="Imagem 3"/>
           <p:cNvPicPr>
             <a:picLocks noChangeAspect="1"/>
           </p:cNvPicPr>
           <p:nvPr/>
         </p:nvPicPr>
         <p:blipFill>
-          <a:blip r:embed="rId2"/>
+          <a:blip r:embed="rId2">
+            <a:extLst>
+              <a:ext uri="{28A0092B-C50C-407E-A947-70E740481C1C}">
+                <a14:useLocalDpi xmlns:a14="http://schemas.microsoft.com/office/drawing/2010/main" val="0"/>
+              </a:ext>
+            </a:extLst>
+          </a:blip>
           <a:stretch>
             <a:fillRect/>
           </a:stretch>
         </p:blipFill>
         <p:spPr>
           <a:xfrm>
-            <a:off x="290945" y="1317868"/>
-            <a:ext cx="5101936" cy="3827410"/>
+            <a:off x="65575" y="1358899"/>
+            <a:ext cx="6007100" cy="3695701"/>
           </a:xfrm>
           <a:prstGeom prst="rect">
             <a:avLst/>
           </a:prstGeom>
+          <a:solidFill>
+            <a:schemeClr val="tx1"/>
+          </a:solidFill>
+          <a:ln>
+            <a:solidFill>
+              <a:schemeClr val="tx2">
+                <a:lumMod val="10000"/>
+              </a:schemeClr>
+            </a:solidFill>
+          </a:ln>
         </p:spPr>
       </p:pic>
     </p:spTree>
     <p:extLst>
       <p:ext uri="{BB962C8B-B14F-4D97-AF65-F5344CB8AC3E}">
-        <p14:creationId xmlns:p14="http://schemas.microsoft.com/office/powerpoint/2010/main" val="986091564"/>
+        <p14:creationId xmlns:p14="http://schemas.microsoft.com/office/powerpoint/2010/main" val="2584973806"/>
+      </p:ext>
+    </p:extLst>
+  </p:cSld>
+  <p:clrMapOvr>
+    <a:masterClrMapping/>
+  </p:clrMapOvr>
+  <p:timing>
+    <p:tnLst>
+      <p:par>
+        <p:cTn id="1" dur="indefinite" restart="never" nodeType="tmRoot"/>
+      </p:par>
+    </p:tnLst>
+  </p:timing>
+</p:sld>
+</file>
+
+<file path=ppt/slides/slide11.xml><?xml version="1.0" encoding="utf-8"?>
+<p:sld xmlns:a="http://schemas.openxmlformats.org/drawingml/2006/main" xmlns:r="http://schemas.openxmlformats.org/officeDocument/2006/relationships" xmlns:p="http://schemas.openxmlformats.org/presentationml/2006/main">
+  <p:cSld>
+    <p:spTree>
+      <p:nvGrpSpPr>
+        <p:cNvPr id="1" name=""/>
+        <p:cNvGrpSpPr/>
+        <p:nvPr/>
+      </p:nvGrpSpPr>
+      <p:grpSpPr>
+        <a:xfrm>
+          <a:off x="0" y="0"/>
+          <a:ext cx="0" cy="0"/>
+          <a:chOff x="0" y="0"/>
+          <a:chExt cx="0" cy="0"/>
+        </a:xfrm>
+      </p:grpSpPr>
+      <p:sp>
+        <p:nvSpPr>
+          <p:cNvPr id="2" name="Title 1">
+            <a:extLst>
+              <a:ext uri="{FF2B5EF4-FFF2-40B4-BE49-F238E27FC236}">
+                <a16:creationId xmlns:a16="http://schemas.microsoft.com/office/drawing/2014/main" id="{BE024F37-A090-47F7-B2C0-A3D725B94253}"/>
+              </a:ext>
+            </a:extLst>
+          </p:cNvPr>
+          <p:cNvSpPr>
+            <a:spLocks noGrp="1"/>
+          </p:cNvSpPr>
+          <p:nvPr>
+            <p:ph type="title"/>
+          </p:nvPr>
+        </p:nvSpPr>
+        <p:spPr/>
+        <p:txBody>
+          <a:bodyPr/>
+          <a:lstStyle/>
+          <a:p>
+            <a:r>
+              <a:rPr lang="en-US" dirty="0" smtClean="0"/>
+              <a:t>Diagrama de classes</a:t>
+            </a:r>
+            <a:endParaRPr lang="en-US" dirty="0"/>
+          </a:p>
+        </p:txBody>
+      </p:sp>
+      <p:sp>
+        <p:nvSpPr>
+          <p:cNvPr id="3" name="Slide Number Placeholder 2">
+            <a:extLst>
+              <a:ext uri="{FF2B5EF4-FFF2-40B4-BE49-F238E27FC236}">
+                <a16:creationId xmlns:a16="http://schemas.microsoft.com/office/drawing/2014/main" id="{AF289D39-D22B-4A41-8A11-37F7160D5B30}"/>
+              </a:ext>
+            </a:extLst>
+          </p:cNvPr>
+          <p:cNvSpPr>
+            <a:spLocks noGrp="1"/>
+          </p:cNvSpPr>
+          <p:nvPr>
+            <p:ph type="sldNum" idx="12"/>
+          </p:nvPr>
+        </p:nvSpPr>
+        <p:spPr/>
+        <p:txBody>
+          <a:bodyPr/>
+          <a:lstStyle/>
+          <a:p>
+            <a:pPr marL="0" lvl="0" indent="0" algn="r" rtl="0">
+              <a:spcBef>
+                <a:spcPts val="0"/>
+              </a:spcBef>
+              <a:spcAft>
+                <a:spcPts val="0"/>
+              </a:spcAft>
+              <a:buNone/>
+            </a:pPr>
+            <a:fld id="{00000000-1234-1234-1234-123412341234}" type="slidenum">
+              <a:rPr lang="en"/>
+              <a:t>11</a:t>
+            </a:fld>
+            <a:endParaRPr lang="en"/>
+          </a:p>
+        </p:txBody>
+      </p:sp>
+      <p:pic>
+        <p:nvPicPr>
+          <p:cNvPr id="4" name="Imagem 3"/>
+          <p:cNvPicPr>
+            <a:picLocks noChangeAspect="1"/>
+          </p:cNvPicPr>
+          <p:nvPr/>
+        </p:nvPicPr>
+        <p:blipFill>
+          <a:blip r:embed="rId2">
+            <a:extLst>
+              <a:ext uri="{28A0092B-C50C-407E-A947-70E740481C1C}">
+                <a14:useLocalDpi xmlns:a14="http://schemas.microsoft.com/office/drawing/2010/main" val="0"/>
+              </a:ext>
+            </a:extLst>
+          </a:blip>
+          <a:stretch>
+            <a:fillRect/>
+          </a:stretch>
+        </p:blipFill>
+        <p:spPr>
+          <a:xfrm>
+            <a:off x="46906" y="1337119"/>
+            <a:ext cx="6025769" cy="3984181"/>
+          </a:xfrm>
+          <a:prstGeom prst="rect">
+            <a:avLst/>
+          </a:prstGeom>
+          <a:ln>
+            <a:solidFill>
+              <a:schemeClr val="tx2">
+                <a:lumMod val="10000"/>
+              </a:schemeClr>
+            </a:solidFill>
+          </a:ln>
+        </p:spPr>
+      </p:pic>
+    </p:spTree>
+    <p:extLst>
+      <p:ext uri="{BB962C8B-B14F-4D97-AF65-F5344CB8AC3E}">
+        <p14:creationId xmlns:p14="http://schemas.microsoft.com/office/powerpoint/2010/main" val="981323012"/>
+      </p:ext>
+    </p:extLst>
+  </p:cSld>
+  <p:clrMapOvr>
+    <a:masterClrMapping/>
+  </p:clrMapOvr>
+  <p:timing>
+    <p:tnLst>
+      <p:par>
+        <p:cTn id="1" dur="indefinite" restart="never" nodeType="tmRoot"/>
+      </p:par>
+    </p:tnLst>
+  </p:timing>
+</p:sld>
+</file>
+
+<file path=ppt/slides/slide12.xml><?xml version="1.0" encoding="utf-8"?>
+<p:sld xmlns:a="http://schemas.openxmlformats.org/drawingml/2006/main" xmlns:r="http://schemas.openxmlformats.org/officeDocument/2006/relationships" xmlns:p="http://schemas.openxmlformats.org/presentationml/2006/main">
+  <p:cSld>
+    <p:spTree>
+      <p:nvGrpSpPr>
+        <p:cNvPr id="1" name=""/>
+        <p:cNvGrpSpPr/>
+        <p:nvPr/>
+      </p:nvGrpSpPr>
+      <p:grpSpPr>
+        <a:xfrm>
+          <a:off x="0" y="0"/>
+          <a:ext cx="0" cy="0"/>
+          <a:chOff x="0" y="0"/>
+          <a:chExt cx="0" cy="0"/>
+        </a:xfrm>
+      </p:grpSpPr>
+      <p:sp>
+        <p:nvSpPr>
+          <p:cNvPr id="2" name="Título 1"/>
+          <p:cNvSpPr>
+            <a:spLocks noGrp="1"/>
+          </p:cNvSpPr>
+          <p:nvPr>
+            <p:ph type="title"/>
+          </p:nvPr>
+        </p:nvSpPr>
+        <p:spPr/>
+        <p:txBody>
+          <a:bodyPr/>
+          <a:lstStyle/>
+          <a:p>
+            <a:r>
+              <a:rPr lang="pt-BR" dirty="0" smtClean="0"/>
+              <a:t>Inovação</a:t>
+            </a:r>
+            <a:endParaRPr lang="pt-BR" dirty="0"/>
+          </a:p>
+        </p:txBody>
+      </p:sp>
+      <p:sp>
+        <p:nvSpPr>
+          <p:cNvPr id="3" name="Espaço Reservado para Número de Slide 2"/>
+          <p:cNvSpPr>
+            <a:spLocks noGrp="1"/>
+          </p:cNvSpPr>
+          <p:nvPr>
+            <p:ph type="sldNum" idx="12"/>
+          </p:nvPr>
+        </p:nvSpPr>
+        <p:spPr/>
+        <p:txBody>
+          <a:bodyPr/>
+          <a:lstStyle/>
+          <a:p>
+            <a:pPr marL="0" lvl="0" indent="0" algn="r" rtl="0">
+              <a:spcBef>
+                <a:spcPts val="0"/>
+              </a:spcBef>
+              <a:spcAft>
+                <a:spcPts val="0"/>
+              </a:spcAft>
+              <a:buNone/>
+            </a:pPr>
+            <a:fld id="{00000000-1234-1234-1234-123412341234}" type="slidenum">
+              <a:rPr lang="pt-BR" smtClean="0"/>
+              <a:t>12</a:t>
+            </a:fld>
+            <a:endParaRPr lang="pt-BR"/>
+          </a:p>
+        </p:txBody>
+      </p:sp>
+    </p:spTree>
+    <p:extLst>
+      <p:ext uri="{BB962C8B-B14F-4D97-AF65-F5344CB8AC3E}">
+        <p14:creationId xmlns:p14="http://schemas.microsoft.com/office/powerpoint/2010/main" val="3929677652"/>
       </p:ext>
     </p:extLst>
   </p:cSld>
@@ -18912,7 +17597,92 @@
 </p:sld>
 </file>
 
-<file path=ppt/slides/slide15.xml><?xml version="1.0" encoding="utf-8"?>
+<file path=ppt/slides/slide13.xml><?xml version="1.0" encoding="utf-8"?>
+<p:sld xmlns:a="http://schemas.openxmlformats.org/drawingml/2006/main" xmlns:r="http://schemas.openxmlformats.org/officeDocument/2006/relationships" xmlns:p="http://schemas.openxmlformats.org/presentationml/2006/main">
+  <p:cSld>
+    <p:spTree>
+      <p:nvGrpSpPr>
+        <p:cNvPr id="1" name=""/>
+        <p:cNvGrpSpPr/>
+        <p:nvPr/>
+      </p:nvGrpSpPr>
+      <p:grpSpPr>
+        <a:xfrm>
+          <a:off x="0" y="0"/>
+          <a:ext cx="0" cy="0"/>
+          <a:chOff x="0" y="0"/>
+          <a:chExt cx="0" cy="0"/>
+        </a:xfrm>
+      </p:grpSpPr>
+      <p:sp>
+        <p:nvSpPr>
+          <p:cNvPr id="2" name="Título 1"/>
+          <p:cNvSpPr>
+            <a:spLocks noGrp="1"/>
+          </p:cNvSpPr>
+          <p:nvPr>
+            <p:ph type="title"/>
+          </p:nvPr>
+        </p:nvSpPr>
+        <p:spPr/>
+        <p:txBody>
+          <a:bodyPr/>
+          <a:lstStyle/>
+          <a:p>
+            <a:r>
+              <a:rPr lang="pt-BR" dirty="0" smtClean="0"/>
+              <a:t>Inovação</a:t>
+            </a:r>
+            <a:endParaRPr lang="pt-BR" dirty="0"/>
+          </a:p>
+        </p:txBody>
+      </p:sp>
+      <p:sp>
+        <p:nvSpPr>
+          <p:cNvPr id="3" name="Espaço Reservado para Número de Slide 2"/>
+          <p:cNvSpPr>
+            <a:spLocks noGrp="1"/>
+          </p:cNvSpPr>
+          <p:nvPr>
+            <p:ph type="sldNum" idx="12"/>
+          </p:nvPr>
+        </p:nvSpPr>
+        <p:spPr/>
+        <p:txBody>
+          <a:bodyPr/>
+          <a:lstStyle/>
+          <a:p>
+            <a:pPr marL="0" lvl="0" indent="0" algn="r" rtl="0">
+              <a:spcBef>
+                <a:spcPts val="0"/>
+              </a:spcBef>
+              <a:spcAft>
+                <a:spcPts val="0"/>
+              </a:spcAft>
+              <a:buNone/>
+            </a:pPr>
+            <a:fld id="{00000000-1234-1234-1234-123412341234}" type="slidenum">
+              <a:rPr lang="pt-BR" smtClean="0"/>
+              <a:t>13</a:t>
+            </a:fld>
+            <a:endParaRPr lang="pt-BR"/>
+          </a:p>
+        </p:txBody>
+      </p:sp>
+    </p:spTree>
+    <p:extLst>
+      <p:ext uri="{BB962C8B-B14F-4D97-AF65-F5344CB8AC3E}">
+        <p14:creationId xmlns:p14="http://schemas.microsoft.com/office/powerpoint/2010/main" val="1425689582"/>
+      </p:ext>
+    </p:extLst>
+  </p:cSld>
+  <p:clrMapOvr>
+    <a:masterClrMapping/>
+  </p:clrMapOvr>
+</p:sld>
+</file>
+
+<file path=ppt/slides/slide14.xml><?xml version="1.0" encoding="utf-8"?>
 <p:sld xmlns:a="http://schemas.openxmlformats.org/drawingml/2006/main" xmlns:r="http://schemas.openxmlformats.org/officeDocument/2006/relationships" xmlns:p="http://schemas.openxmlformats.org/presentationml/2006/main">
   <p:cSld>
     <p:spTree>
@@ -18955,13 +17725,34 @@
           <a:lstStyle/>
           <a:p>
             <a:r>
-              <a:rPr lang="en" sz="6600">
+              <a:rPr lang="en" sz="6600" dirty="0">
                 <a:solidFill>
                   <a:schemeClr val="accent5"/>
                 </a:solidFill>
               </a:rPr>
-              <a:t>SITE/ PLANNER/ MAQUINA LINUX</a:t>
+              <a:t>SITE/ </a:t>
             </a:r>
+            <a:r>
+              <a:rPr lang="en" sz="6600" dirty="0" smtClean="0">
+                <a:solidFill>
+                  <a:schemeClr val="accent5"/>
+                </a:solidFill>
+              </a:rPr>
+              <a:t>SCRIPT</a:t>
+            </a:r>
+            <a:r>
+              <a:rPr lang="en" sz="6600" dirty="0" smtClean="0">
+                <a:solidFill>
+                  <a:schemeClr val="accent5"/>
+                </a:solidFill>
+              </a:rPr>
+              <a:t>/ INOVAÇÃO</a:t>
+            </a:r>
+            <a:endParaRPr lang="en" sz="6600" dirty="0">
+              <a:solidFill>
+                <a:schemeClr val="accent5"/>
+              </a:solidFill>
+            </a:endParaRPr>
           </a:p>
         </p:txBody>
       </p:sp>
@@ -22555,7 +21346,7 @@
             </a:pPr>
             <a:fld id="{00000000-1234-1234-1234-123412341234}" type="slidenum">
               <a:rPr lang="en"/>
-              <a:t>15</a:t>
+              <a:t>14</a:t>
             </a:fld>
             <a:endParaRPr/>
           </a:p>
@@ -22566,108 +21357,17 @@
   <p:clrMapOvr>
     <a:masterClrMapping/>
   </p:clrMapOvr>
+  <p:timing>
+    <p:tnLst>
+      <p:par>
+        <p:cTn id="1" dur="indefinite" restart="never" nodeType="tmRoot"/>
+      </p:par>
+    </p:tnLst>
+  </p:timing>
 </p:sld>
 </file>
 
-<file path=ppt/slides/slide16.xml><?xml version="1.0" encoding="utf-8"?>
-<p:sld xmlns:a="http://schemas.openxmlformats.org/drawingml/2006/main" xmlns:r="http://schemas.openxmlformats.org/officeDocument/2006/relationships" xmlns:p="http://schemas.openxmlformats.org/presentationml/2006/main">
-  <p:cSld>
-    <p:spTree>
-      <p:nvGrpSpPr>
-        <p:cNvPr id="1" name=""/>
-        <p:cNvGrpSpPr/>
-        <p:nvPr/>
-      </p:nvGrpSpPr>
-      <p:grpSpPr>
-        <a:xfrm>
-          <a:off x="0" y="0"/>
-          <a:ext cx="0" cy="0"/>
-          <a:chOff x="0" y="0"/>
-          <a:chExt cx="0" cy="0"/>
-        </a:xfrm>
-      </p:grpSpPr>
-      <p:sp>
-        <p:nvSpPr>
-          <p:cNvPr id="2" name="Slide Number Placeholder 1">
-            <a:extLst>
-              <a:ext uri="{FF2B5EF4-FFF2-40B4-BE49-F238E27FC236}">
-                <a16:creationId xmlns:a16="http://schemas.microsoft.com/office/drawing/2014/main" id="{BA36D60C-F6E3-491E-9596-245159A34169}"/>
-              </a:ext>
-            </a:extLst>
-          </p:cNvPr>
-          <p:cNvSpPr>
-            <a:spLocks noGrp="1"/>
-          </p:cNvSpPr>
-          <p:nvPr>
-            <p:ph type="sldNum" idx="12"/>
-          </p:nvPr>
-        </p:nvSpPr>
-        <p:spPr/>
-        <p:txBody>
-          <a:bodyPr/>
-          <a:lstStyle/>
-          <a:p>
-            <a:pPr marL="0" lvl="0" indent="0" algn="r" rtl="0">
-              <a:spcBef>
-                <a:spcPts val="0"/>
-              </a:spcBef>
-              <a:spcAft>
-                <a:spcPts val="0"/>
-              </a:spcAft>
-              <a:buNone/>
-            </a:pPr>
-            <a:fld id="{00000000-1234-1234-1234-123412341234}" type="slidenum">
-              <a:rPr lang="en"/>
-              <a:t>16</a:t>
-            </a:fld>
-            <a:endParaRPr lang="en"/>
-          </a:p>
-        </p:txBody>
-      </p:sp>
-      <p:pic>
-        <p:nvPicPr>
-          <p:cNvPr id="3" name="Picture 3" descr="Graphical user interface, website&#10;&#10;Description automatically generated">
-            <a:extLst>
-              <a:ext uri="{FF2B5EF4-FFF2-40B4-BE49-F238E27FC236}">
-                <a16:creationId xmlns:a16="http://schemas.microsoft.com/office/drawing/2014/main" id="{A9588FD6-B5FB-4A55-8030-FDEAE83409AC}"/>
-              </a:ext>
-            </a:extLst>
-          </p:cNvPr>
-          <p:cNvPicPr>
-            <a:picLocks noChangeAspect="1"/>
-          </p:cNvPicPr>
-          <p:nvPr/>
-        </p:nvPicPr>
-        <p:blipFill>
-          <a:blip r:embed="rId2"/>
-          <a:stretch>
-            <a:fillRect/>
-          </a:stretch>
-        </p:blipFill>
-        <p:spPr>
-          <a:xfrm>
-            <a:off x="7684" y="10658"/>
-            <a:ext cx="9143999" cy="5179114"/>
-          </a:xfrm>
-          <a:prstGeom prst="rect">
-            <a:avLst/>
-          </a:prstGeom>
-        </p:spPr>
-      </p:pic>
-    </p:spTree>
-    <p:extLst>
-      <p:ext uri="{BB962C8B-B14F-4D97-AF65-F5344CB8AC3E}">
-        <p14:creationId xmlns:p14="http://schemas.microsoft.com/office/powerpoint/2010/main" val="4030040548"/>
-      </p:ext>
-    </p:extLst>
-  </p:cSld>
-  <p:clrMapOvr>
-    <a:masterClrMapping/>
-  </p:clrMapOvr>
-</p:sld>
-</file>
-
-<file path=ppt/slides/slide17.xml><?xml version="1.0" encoding="utf-8"?>
+<file path=ppt/slides/slide15.xml><?xml version="1.0" encoding="utf-8"?>
 <p:sld xmlns:a="http://schemas.openxmlformats.org/drawingml/2006/main" xmlns:r="http://schemas.openxmlformats.org/officeDocument/2006/relationships" xmlns:p="http://schemas.openxmlformats.org/presentationml/2006/main">
   <p:cSld>
     <p:spTree>
@@ -22720,7 +21420,7 @@
             </a:pPr>
             <a:fld id="{00000000-1234-1234-1234-123412341234}" type="slidenum">
               <a:rPr lang="en"/>
-              <a:t>17</a:t>
+              <a:t>15</a:t>
             </a:fld>
             <a:endParaRPr/>
           </a:p>
@@ -22776,10 +21476,17 @@
   <p:clrMapOvr>
     <a:masterClrMapping/>
   </p:clrMapOvr>
+  <p:timing>
+    <p:tnLst>
+      <p:par>
+        <p:cTn id="1" dur="indefinite" restart="never" nodeType="tmRoot"/>
+      </p:par>
+    </p:tnLst>
+  </p:timing>
 </p:sld>
 </file>
 
-<file path=ppt/slides/slide18.xml><?xml version="1.0" encoding="utf-8"?>
+<file path=ppt/slides/slide16.xml><?xml version="1.0" encoding="utf-8"?>
 <p:sld xmlns:a="http://schemas.openxmlformats.org/drawingml/2006/main" xmlns:r="http://schemas.openxmlformats.org/officeDocument/2006/relationships" xmlns:p="http://schemas.openxmlformats.org/presentationml/2006/main">
   <p:cSld>
     <p:spTree>
@@ -22832,7 +21539,7 @@
             </a:pPr>
             <a:fld id="{00000000-1234-1234-1234-123412341234}" type="slidenum">
               <a:rPr lang="en"/>
-              <a:t>18</a:t>
+              <a:t>16</a:t>
             </a:fld>
             <a:endParaRPr/>
           </a:p>
@@ -23583,6 +22290,13 @@
   <p:clrMapOvr>
     <a:masterClrMapping/>
   </p:clrMapOvr>
+  <p:timing>
+    <p:tnLst>
+      <p:par>
+        <p:cTn id="1" dur="indefinite" restart="never" nodeType="tmRoot"/>
+      </p:par>
+    </p:tnLst>
+  </p:timing>
 </p:sld>
 </file>
 
@@ -23883,6 +22597,13 @@
   <p:clrMapOvr>
     <a:masterClrMapping/>
   </p:clrMapOvr>
+  <p:timing>
+    <p:tnLst>
+      <p:par>
+        <p:cTn id="1" dur="indefinite" restart="never" nodeType="tmRoot"/>
+      </p:par>
+    </p:tnLst>
+  </p:timing>
 </p:sld>
 </file>
 
@@ -24034,7 +22755,7 @@
           <a:blip r:embed="rId4">
             <a:extLst>
               <a:ext uri="{96DAC541-7B7A-43D3-8B79-37D633B846F1}">
-                <asvg:svgBlip xmlns:asvg="http://schemas.microsoft.com/office/drawing/2016/SVG/main" r:embed="rId5"/>
+                <asvg:svgBlip xmlns:asvg="http://schemas.microsoft.com/office/drawing/2016/SVG/main" xmlns="" r:embed="rId5"/>
               </a:ext>
             </a:extLst>
           </a:blip>
@@ -24057,6 +22778,13 @@
   <p:clrMapOvr>
     <a:masterClrMapping/>
   </p:clrMapOvr>
+  <p:timing>
+    <p:tnLst>
+      <p:par>
+        <p:cTn id="1" dur="indefinite" restart="never" nodeType="tmRoot"/>
+      </p:par>
+    </p:tnLst>
+  </p:timing>
 </p:sld>
 </file>
 
@@ -24244,7 +22972,7 @@
           <a:blip r:embed="rId3">
             <a:extLst>
               <a:ext uri="{96DAC541-7B7A-43D3-8B79-37D633B846F1}">
-                <asvg:svgBlip xmlns:asvg="http://schemas.microsoft.com/office/drawing/2016/SVG/main" r:embed="rId4"/>
+                <asvg:svgBlip xmlns:asvg="http://schemas.microsoft.com/office/drawing/2016/SVG/main" xmlns="" r:embed="rId4"/>
               </a:ext>
             </a:extLst>
           </a:blip>
@@ -24272,6 +23000,13 @@
   <p:clrMapOvr>
     <a:masterClrMapping/>
   </p:clrMapOvr>
+  <p:timing>
+    <p:tnLst>
+      <p:par>
+        <p:cTn id="1" dur="indefinite" restart="never" nodeType="tmRoot"/>
+      </p:par>
+    </p:tnLst>
+  </p:timing>
 </p:sld>
 </file>
 
@@ -24438,6 +23173,13 @@
   <p:clrMapOvr>
     <a:masterClrMapping/>
   </p:clrMapOvr>
+  <p:timing>
+    <p:tnLst>
+      <p:par>
+        <p:cTn id="1" dur="indefinite" restart="never" nodeType="tmRoot"/>
+      </p:par>
+    </p:tnLst>
+  </p:timing>
 </p:sld>
 </file>
 
@@ -24626,6 +23368,13 @@
   <p:clrMapOvr>
     <a:masterClrMapping/>
   </p:clrMapOvr>
+  <p:timing>
+    <p:tnLst>
+      <p:par>
+        <p:cTn id="1" dur="indefinite" restart="never" nodeType="tmRoot"/>
+      </p:par>
+    </p:tnLst>
+  </p:timing>
 </p:sld>
 </file>
 
@@ -24788,169 +23537,17 @@
   <p:clrMapOvr>
     <a:masterClrMapping/>
   </p:clrMapOvr>
+  <p:timing>
+    <p:tnLst>
+      <p:par>
+        <p:cTn id="1" dur="indefinite" restart="never" nodeType="tmRoot"/>
+      </p:par>
+    </p:tnLst>
+  </p:timing>
 </p:sld>
 </file>
 
 <file path=ppt/slides/slide8.xml><?xml version="1.0" encoding="utf-8"?>
-<p:sld xmlns:a="http://schemas.openxmlformats.org/drawingml/2006/main" xmlns:r="http://schemas.openxmlformats.org/officeDocument/2006/relationships" xmlns:p="http://schemas.openxmlformats.org/presentationml/2006/main">
-  <p:cSld>
-    <p:spTree>
-      <p:nvGrpSpPr>
-        <p:cNvPr id="1" name="Shape 235"/>
-        <p:cNvGrpSpPr/>
-        <p:nvPr/>
-      </p:nvGrpSpPr>
-      <p:grpSpPr>
-        <a:xfrm>
-          <a:off x="0" y="0"/>
-          <a:ext cx="0" cy="0"/>
-          <a:chOff x="0" y="0"/>
-          <a:chExt cx="0" cy="0"/>
-        </a:xfrm>
-      </p:grpSpPr>
-      <p:sp>
-        <p:nvSpPr>
-          <p:cNvPr id="236" name="Google Shape;236;p16"/>
-          <p:cNvSpPr txBox="1">
-            <a:spLocks noGrp="1"/>
-          </p:cNvSpPr>
-          <p:nvPr>
-            <p:ph type="title"/>
-          </p:nvPr>
-        </p:nvSpPr>
-        <p:spPr>
-          <a:xfrm>
-            <a:off x="814275" y="392575"/>
-            <a:ext cx="5492400" cy="766200"/>
-          </a:xfrm>
-          <a:prstGeom prst="rect">
-            <a:avLst/>
-          </a:prstGeom>
-        </p:spPr>
-        <p:txBody>
-          <a:bodyPr spcFirstLastPara="1" wrap="square" lIns="91425" tIns="91425" rIns="91425" bIns="91425" anchor="ctr" anchorCtr="0">
-            <a:noAutofit/>
-          </a:bodyPr>
-          <a:lstStyle/>
-          <a:p>
-            <a:r>
-              <a:rPr lang="en"/>
-              <a:t>STORY BOARD</a:t>
-            </a:r>
-          </a:p>
-        </p:txBody>
-      </p:sp>
-      <p:sp>
-        <p:nvSpPr>
-          <p:cNvPr id="238" name="Google Shape;238;p16"/>
-          <p:cNvSpPr txBox="1">
-            <a:spLocks noGrp="1"/>
-          </p:cNvSpPr>
-          <p:nvPr>
-            <p:ph type="sldNum" idx="12"/>
-          </p:nvPr>
-        </p:nvSpPr>
-        <p:spPr>
-          <a:xfrm>
-            <a:off x="7618000" y="4636500"/>
-            <a:ext cx="1487400" cy="315600"/>
-          </a:xfrm>
-          <a:prstGeom prst="rect">
-            <a:avLst/>
-          </a:prstGeom>
-        </p:spPr>
-        <p:txBody>
-          <a:bodyPr spcFirstLastPara="1" wrap="square" lIns="91425" tIns="91425" rIns="91425" bIns="91425" anchor="ctr" anchorCtr="0">
-            <a:noAutofit/>
-          </a:bodyPr>
-          <a:lstStyle/>
-          <a:p>
-            <a:pPr marL="0" lvl="0" indent="0" algn="r" rtl="0">
-              <a:spcBef>
-                <a:spcPts val="0"/>
-              </a:spcBef>
-              <a:spcAft>
-                <a:spcPts val="0"/>
-              </a:spcAft>
-              <a:buNone/>
-            </a:pPr>
-            <a:fld id="{00000000-1234-1234-1234-123412341234}" type="slidenum">
-              <a:rPr lang="en"/>
-              <a:t>8</a:t>
-            </a:fld>
-            <a:endParaRPr/>
-          </a:p>
-        </p:txBody>
-      </p:sp>
-      <p:pic>
-        <p:nvPicPr>
-          <p:cNvPr id="2" name="Picture 2" descr="Graphical user interface&#10;&#10;Description automatically generated">
-            <a:extLst>
-              <a:ext uri="{FF2B5EF4-FFF2-40B4-BE49-F238E27FC236}">
-                <a16:creationId xmlns:a16="http://schemas.microsoft.com/office/drawing/2014/main" id="{AF820D36-9AC5-49D7-BE02-C0B4576C0CFF}"/>
-              </a:ext>
-            </a:extLst>
-          </p:cNvPr>
-          <p:cNvPicPr>
-            <a:picLocks noChangeAspect="1"/>
-          </p:cNvPicPr>
-          <p:nvPr/>
-        </p:nvPicPr>
-        <p:blipFill>
-          <a:blip r:embed="rId3"/>
-          <a:stretch>
-            <a:fillRect/>
-          </a:stretch>
-        </p:blipFill>
-        <p:spPr>
-          <a:xfrm>
-            <a:off x="0" y="1321134"/>
-            <a:ext cx="4572000" cy="3311722"/>
-          </a:xfrm>
-          <a:prstGeom prst="rect">
-            <a:avLst/>
-          </a:prstGeom>
-        </p:spPr>
-      </p:pic>
-      <p:pic>
-        <p:nvPicPr>
-          <p:cNvPr id="4" name="Picture 4" descr="A picture containing shape&#10;&#10;Description automatically generated">
-            <a:extLst>
-              <a:ext uri="{FF2B5EF4-FFF2-40B4-BE49-F238E27FC236}">
-                <a16:creationId xmlns:a16="http://schemas.microsoft.com/office/drawing/2014/main" id="{99F40C8B-9A74-4A0F-8CD9-4D6993FC330D}"/>
-              </a:ext>
-            </a:extLst>
-          </p:cNvPr>
-          <p:cNvPicPr>
-            <a:picLocks noChangeAspect="1"/>
-          </p:cNvPicPr>
-          <p:nvPr/>
-        </p:nvPicPr>
-        <p:blipFill>
-          <a:blip r:embed="rId4"/>
-          <a:stretch>
-            <a:fillRect/>
-          </a:stretch>
-        </p:blipFill>
-        <p:spPr>
-          <a:xfrm>
-            <a:off x="4572000" y="1281913"/>
-            <a:ext cx="4603172" cy="3348605"/>
-          </a:xfrm>
-          <a:prstGeom prst="rect">
-            <a:avLst/>
-          </a:prstGeom>
-        </p:spPr>
-      </p:pic>
-    </p:spTree>
-  </p:cSld>
-  <p:clrMapOvr>
-    <a:masterClrMapping/>
-  </p:clrMapOvr>
-</p:sld>
-</file>
-
-<file path=ppt/slides/slide9.xml><?xml version="1.0" encoding="utf-8"?>
 <p:sld xmlns:a="http://schemas.openxmlformats.org/drawingml/2006/main" xmlns:r="http://schemas.openxmlformats.org/officeDocument/2006/relationships" xmlns:p="http://schemas.openxmlformats.org/presentationml/2006/main">
   <p:cSld>
     <p:spTree>
@@ -24969,10 +23566,38 @@
       </p:grpSpPr>
       <p:sp>
         <p:nvSpPr>
-          <p:cNvPr id="2" name="Slide Number Placeholder 1">
+          <p:cNvPr id="2" name="Title 1">
             <a:extLst>
               <a:ext uri="{FF2B5EF4-FFF2-40B4-BE49-F238E27FC236}">
-                <a16:creationId xmlns:a16="http://schemas.microsoft.com/office/drawing/2014/main" id="{68B30319-DD16-4B4F-98EF-C6D4B0FE418F}"/>
+                <a16:creationId xmlns:a16="http://schemas.microsoft.com/office/drawing/2014/main" id="{86778853-9598-4A4C-8C5B-7AAE352F07FA}"/>
+              </a:ext>
+            </a:extLst>
+          </p:cNvPr>
+          <p:cNvSpPr>
+            <a:spLocks noGrp="1"/>
+          </p:cNvSpPr>
+          <p:nvPr>
+            <p:ph type="title"/>
+          </p:nvPr>
+        </p:nvSpPr>
+        <p:spPr/>
+        <p:txBody>
+          <a:bodyPr/>
+          <a:lstStyle/>
+          <a:p>
+            <a:r>
+              <a:rPr lang="en-US"/>
+              <a:t>Proto persona</a:t>
+            </a:r>
+          </a:p>
+        </p:txBody>
+      </p:sp>
+      <p:sp>
+        <p:nvSpPr>
+          <p:cNvPr id="3" name="Slide Number Placeholder 2">
+            <a:extLst>
+              <a:ext uri="{FF2B5EF4-FFF2-40B4-BE49-F238E27FC236}">
+                <a16:creationId xmlns:a16="http://schemas.microsoft.com/office/drawing/2014/main" id="{1F5245B7-7F91-452E-8004-F47972E5DA03}"/>
               </a:ext>
             </a:extLst>
           </p:cNvPr>
@@ -24999,7 +23624,7 @@
             </a:pPr>
             <a:fld id="{00000000-1234-1234-1234-123412341234}" type="slidenum">
               <a:rPr lang="en"/>
-              <a:t>9</a:t>
+              <a:t>8</a:t>
             </a:fld>
             <a:endParaRPr lang="en"/>
           </a:p>
@@ -25007,10 +23632,10 @@
       </p:sp>
       <p:pic>
         <p:nvPicPr>
-          <p:cNvPr id="3" name="Picture 3" descr="A picture containing shape&#10;&#10;Description automatically generated">
+          <p:cNvPr id="4" name="Picture 4" descr="A picture containing table&#10;&#10;Description automatically generated">
             <a:extLst>
               <a:ext uri="{FF2B5EF4-FFF2-40B4-BE49-F238E27FC236}">
-                <a16:creationId xmlns:a16="http://schemas.microsoft.com/office/drawing/2014/main" id="{E240F4DB-4C09-4F22-9A56-74849D48846D}"/>
+                <a16:creationId xmlns:a16="http://schemas.microsoft.com/office/drawing/2014/main" id="{65D047BF-DE83-4A7F-BE71-88DEFEA02D52}"/>
               </a:ext>
             </a:extLst>
           </p:cNvPr>
@@ -25027,38 +23652,8 @@
         </p:blipFill>
         <p:spPr>
           <a:xfrm>
-            <a:off x="0" y="996242"/>
-            <a:ext cx="4572000" cy="3639392"/>
-          </a:xfrm>
-          <a:prstGeom prst="rect">
-            <a:avLst/>
-          </a:prstGeom>
-        </p:spPr>
-      </p:pic>
-      <p:pic>
-        <p:nvPicPr>
-          <p:cNvPr id="5" name="Picture 5" descr="A picture containing icon&#10;&#10;Description automatically generated">
-            <a:extLst>
-              <a:ext uri="{FF2B5EF4-FFF2-40B4-BE49-F238E27FC236}">
-                <a16:creationId xmlns:a16="http://schemas.microsoft.com/office/drawing/2014/main" id="{6ECC1467-110E-4120-ACA9-B231A74F61B1}"/>
-              </a:ext>
-            </a:extLst>
-          </p:cNvPr>
-          <p:cNvPicPr>
-            <a:picLocks noChangeAspect="1"/>
-          </p:cNvPicPr>
-          <p:nvPr/>
-        </p:nvPicPr>
-        <p:blipFill>
-          <a:blip r:embed="rId3"/>
-          <a:stretch>
-            <a:fillRect/>
-          </a:stretch>
-        </p:blipFill>
-        <p:spPr>
-          <a:xfrm>
-            <a:off x="4572000" y="994875"/>
-            <a:ext cx="4572000" cy="3642122"/>
+            <a:off x="1570" y="1304206"/>
+            <a:ext cx="6366796" cy="3829049"/>
           </a:xfrm>
           <a:prstGeom prst="rect">
             <a:avLst/>
@@ -25067,10 +23662,10 @@
       </p:pic>
       <p:cxnSp>
         <p:nvCxnSpPr>
-          <p:cNvPr id="7" name="Straight Arrow Connector 6">
+          <p:cNvPr id="5" name="Straight Arrow Connector 4">
             <a:extLst>
               <a:ext uri="{FF2B5EF4-FFF2-40B4-BE49-F238E27FC236}">
-                <a16:creationId xmlns:a16="http://schemas.microsoft.com/office/drawing/2014/main" id="{71732254-E40B-4CB0-9A12-0EADE52EEABA}"/>
+                <a16:creationId xmlns:a16="http://schemas.microsoft.com/office/drawing/2014/main" id="{23ADFE01-E082-409E-B8B3-0E854B6C31CE}"/>
               </a:ext>
             </a:extLst>
           </p:cNvPr>
@@ -25079,8 +23674,51 @@
         </p:nvCxnSpPr>
         <p:spPr>
           <a:xfrm>
-            <a:off x="4566119" y="994880"/>
-            <a:ext cx="10390" cy="3643679"/>
+            <a:off x="6340133" y="1316603"/>
+            <a:ext cx="28233" cy="3826897"/>
+          </a:xfrm>
+          <a:prstGeom prst="straightConnector1">
+            <a:avLst/>
+          </a:prstGeom>
+          <a:ln w="28575">
+            <a:solidFill>
+              <a:schemeClr val="accent2"/>
+            </a:solidFill>
+          </a:ln>
+        </p:spPr>
+        <p:style>
+          <a:lnRef idx="1">
+            <a:schemeClr val="accent1"/>
+          </a:lnRef>
+          <a:fillRef idx="0">
+            <a:schemeClr val="accent1"/>
+          </a:fillRef>
+          <a:effectRef idx="0">
+            <a:schemeClr val="accent1"/>
+          </a:effectRef>
+          <a:fontRef idx="minor">
+            <a:schemeClr val="tx1"/>
+          </a:fontRef>
+        </p:style>
+      </p:cxnSp>
+      <p:cxnSp>
+        <p:nvCxnSpPr>
+          <p:cNvPr id="6" name="Straight Arrow Connector 5">
+            <a:extLst>
+              <a:ext uri="{FF2B5EF4-FFF2-40B4-BE49-F238E27FC236}">
+                <a16:creationId xmlns:a16="http://schemas.microsoft.com/office/drawing/2014/main" id="{9690134C-DEAD-4B25-B92D-D38894891E2A}"/>
+              </a:ext>
+            </a:extLst>
+          </p:cNvPr>
+          <p:cNvCxnSpPr>
+            <a:cxnSpLocks/>
+          </p:cNvCxnSpPr>
+          <p:nvPr/>
+        </p:nvCxnSpPr>
+        <p:spPr>
+          <a:xfrm>
+            <a:off x="-26663" y="1285433"/>
+            <a:ext cx="6366796" cy="31170"/>
           </a:xfrm>
           <a:prstGeom prst="straightConnector1">
             <a:avLst/>
@@ -25109,13 +23747,152 @@
     </p:spTree>
     <p:extLst>
       <p:ext uri="{BB962C8B-B14F-4D97-AF65-F5344CB8AC3E}">
-        <p14:creationId xmlns:p14="http://schemas.microsoft.com/office/powerpoint/2010/main" val="1004132170"/>
+        <p14:creationId xmlns:p14="http://schemas.microsoft.com/office/powerpoint/2010/main" val="2740393317"/>
       </p:ext>
     </p:extLst>
   </p:cSld>
   <p:clrMapOvr>
     <a:masterClrMapping/>
   </p:clrMapOvr>
+  <p:timing>
+    <p:tnLst>
+      <p:par>
+        <p:cTn id="1" dur="indefinite" restart="never" nodeType="tmRoot"/>
+      </p:par>
+    </p:tnLst>
+  </p:timing>
+</p:sld>
+</file>
+
+<file path=ppt/slides/slide9.xml><?xml version="1.0" encoding="utf-8"?>
+<p:sld xmlns:a="http://schemas.openxmlformats.org/drawingml/2006/main" xmlns:r="http://schemas.openxmlformats.org/officeDocument/2006/relationships" xmlns:p="http://schemas.openxmlformats.org/presentationml/2006/main">
+  <p:cSld>
+    <p:spTree>
+      <p:nvGrpSpPr>
+        <p:cNvPr id="1" name=""/>
+        <p:cNvGrpSpPr/>
+        <p:nvPr/>
+      </p:nvGrpSpPr>
+      <p:grpSpPr>
+        <a:xfrm>
+          <a:off x="0" y="0"/>
+          <a:ext cx="0" cy="0"/>
+          <a:chOff x="0" y="0"/>
+          <a:chExt cx="0" cy="0"/>
+        </a:xfrm>
+      </p:grpSpPr>
+      <p:sp>
+        <p:nvSpPr>
+          <p:cNvPr id="2" name="Title 1">
+            <a:extLst>
+              <a:ext uri="{FF2B5EF4-FFF2-40B4-BE49-F238E27FC236}">
+                <a16:creationId xmlns:a16="http://schemas.microsoft.com/office/drawing/2014/main" id="{BE024F37-A090-47F7-B2C0-A3D725B94253}"/>
+              </a:ext>
+            </a:extLst>
+          </p:cNvPr>
+          <p:cNvSpPr>
+            <a:spLocks noGrp="1"/>
+          </p:cNvSpPr>
+          <p:nvPr>
+            <p:ph type="title"/>
+          </p:nvPr>
+        </p:nvSpPr>
+        <p:spPr/>
+        <p:txBody>
+          <a:bodyPr/>
+          <a:lstStyle/>
+          <a:p>
+            <a:r>
+              <a:rPr lang="en-US" dirty="0" smtClean="0"/>
+              <a:t>Product </a:t>
+            </a:r>
+            <a:r>
+              <a:rPr lang="en-US" dirty="0" err="1" smtClean="0"/>
+              <a:t>BackLog</a:t>
+            </a:r>
+            <a:endParaRPr lang="en-US" dirty="0"/>
+          </a:p>
+        </p:txBody>
+      </p:sp>
+      <p:sp>
+        <p:nvSpPr>
+          <p:cNvPr id="3" name="Slide Number Placeholder 2">
+            <a:extLst>
+              <a:ext uri="{FF2B5EF4-FFF2-40B4-BE49-F238E27FC236}">
+                <a16:creationId xmlns:a16="http://schemas.microsoft.com/office/drawing/2014/main" id="{AF289D39-D22B-4A41-8A11-37F7160D5B30}"/>
+              </a:ext>
+            </a:extLst>
+          </p:cNvPr>
+          <p:cNvSpPr>
+            <a:spLocks noGrp="1"/>
+          </p:cNvSpPr>
+          <p:nvPr>
+            <p:ph type="sldNum" idx="12"/>
+          </p:nvPr>
+        </p:nvSpPr>
+        <p:spPr/>
+        <p:txBody>
+          <a:bodyPr/>
+          <a:lstStyle/>
+          <a:p>
+            <a:pPr marL="0" lvl="0" indent="0" algn="r" rtl="0">
+              <a:spcBef>
+                <a:spcPts val="0"/>
+              </a:spcBef>
+              <a:spcAft>
+                <a:spcPts val="0"/>
+              </a:spcAft>
+              <a:buNone/>
+            </a:pPr>
+            <a:fld id="{00000000-1234-1234-1234-123412341234}" type="slidenum">
+              <a:rPr lang="en"/>
+              <a:t>9</a:t>
+            </a:fld>
+            <a:endParaRPr lang="en"/>
+          </a:p>
+        </p:txBody>
+      </p:sp>
+      <p:pic>
+        <p:nvPicPr>
+          <p:cNvPr id="5" name="Imagem 4"/>
+          <p:cNvPicPr>
+            <a:picLocks noChangeAspect="1"/>
+          </p:cNvPicPr>
+          <p:nvPr/>
+        </p:nvPicPr>
+        <p:blipFill>
+          <a:blip r:embed="rId2"/>
+          <a:stretch>
+            <a:fillRect/>
+          </a:stretch>
+        </p:blipFill>
+        <p:spPr>
+          <a:xfrm>
+            <a:off x="1" y="1364821"/>
+            <a:ext cx="6438899" cy="3587279"/>
+          </a:xfrm>
+          <a:prstGeom prst="rect">
+            <a:avLst/>
+          </a:prstGeom>
+        </p:spPr>
+      </p:pic>
+    </p:spTree>
+    <p:extLst>
+      <p:ext uri="{BB962C8B-B14F-4D97-AF65-F5344CB8AC3E}">
+        <p14:creationId xmlns:p14="http://schemas.microsoft.com/office/powerpoint/2010/main" val="986091564"/>
+      </p:ext>
+    </p:extLst>
+  </p:cSld>
+  <p:clrMapOvr>
+    <a:masterClrMapping/>
+  </p:clrMapOvr>
+  <p:timing>
+    <p:tnLst>
+      <p:par>
+        <p:cTn id="1" dur="indefinite" restart="never" nodeType="tmRoot"/>
+      </p:par>
+    </p:tnLst>
+  </p:timing>
 </p:sld>
 </file>
 

--- a/Documentação/ppts/PPT grupo 10.pptx
+++ b/Documentação/ppts/PPT grupo 10.pptx
@@ -29,21 +29,21 @@
   <p:notesSz cx="6858000" cy="9144000"/>
   <p:embeddedFontLst>
     <p:embeddedFont>
-      <p:font typeface="Roboto Condensed Light" panose="020B0604020202020204" charset="0"/>
+      <p:font typeface="Arvo" panose="020B0604020202020204" charset="0"/>
       <p:regular r:id="rId19"/>
       <p:bold r:id="rId20"/>
       <p:italic r:id="rId21"/>
       <p:boldItalic r:id="rId22"/>
     </p:embeddedFont>
     <p:embeddedFont>
-      <p:font typeface="Arvo" panose="020B0604020202020204" charset="0"/>
+      <p:font typeface="Roboto Condensed" panose="020B0604020202020204" pitchFamily="2" charset="0"/>
       <p:regular r:id="rId23"/>
       <p:bold r:id="rId24"/>
       <p:italic r:id="rId25"/>
       <p:boldItalic r:id="rId26"/>
     </p:embeddedFont>
     <p:embeddedFont>
-      <p:font typeface="Roboto Condensed" panose="020B0604020202020204" charset="0"/>
+      <p:font typeface="Roboto Condensed Light" panose="02000000000000000000" pitchFamily="2" charset="0"/>
       <p:regular r:id="rId27"/>
       <p:bold r:id="rId28"/>
       <p:italic r:id="rId29"/>
@@ -2631,13 +2631,6 @@
         </dgm:presLayoutVars>
       </dgm:prSet>
       <dgm:spPr/>
-      <dgm:t>
-        <a:bodyPr/>
-        <a:lstStyle/>
-        <a:p>
-          <a:endParaRPr lang="pt-BR"/>
-        </a:p>
-      </dgm:t>
     </dgm:pt>
     <dgm:pt modelId="{29A8F365-8248-4874-A358-8987A8156469}" type="pres">
       <dgm:prSet presAssocID="{F22A84FD-1979-49F3-A45E-66CC08E204EA}" presName="compNode" presStyleCnt="0"/>
@@ -2654,7 +2647,7 @@
           <a:blip xmlns:r="http://schemas.openxmlformats.org/officeDocument/2006/relationships" r:embed="rId1">
             <a:extLst>
               <a:ext uri="{96DAC541-7B7A-43D3-8B79-37D633B846F1}">
-                <asvg:svgBlip xmlns:asvg="http://schemas.microsoft.com/office/drawing/2016/SVG/main" xmlns="" r:embed="rId2"/>
+                <asvg:svgBlip xmlns:asvg="http://schemas.microsoft.com/office/drawing/2016/SVG/main" r:embed="rId2"/>
               </a:ext>
             </a:extLst>
           </a:blip>
@@ -2684,19 +2677,12 @@
         </dgm:presLayoutVars>
       </dgm:prSet>
       <dgm:spPr/>
-      <dgm:t>
-        <a:bodyPr/>
-        <a:lstStyle/>
-        <a:p>
-          <a:endParaRPr lang="pt-BR"/>
-        </a:p>
-      </dgm:t>
     </dgm:pt>
   </dgm:ptLst>
   <dgm:cxnLst>
     <dgm:cxn modelId="{89086989-896C-4626-B210-9EC3D9D7B34E}" srcId="{93DAD773-FEAA-4B90-854A-1093477F074F}" destId="{F22A84FD-1979-49F3-A45E-66CC08E204EA}" srcOrd="0" destOrd="0" parTransId="{6AB8858D-63D7-482A-8FBF-FDDDAA324641}" sibTransId="{D0FD132C-51DB-4716-ADB0-4ACD105388CF}"/>
+    <dgm:cxn modelId="{F58A6A97-E221-4F31-8D18-035B15B3F44E}" type="presOf" srcId="{F22A84FD-1979-49F3-A45E-66CC08E204EA}" destId="{B23AA470-403E-4F13-8810-8DCA67019E40}" srcOrd="0" destOrd="0" presId="urn:microsoft.com/office/officeart/2018/5/layout/IconCircleLabelList"/>
     <dgm:cxn modelId="{B3F946B4-C0FA-4C8F-AD1D-7A4EE9EBBCCC}" type="presOf" srcId="{93DAD773-FEAA-4B90-854A-1093477F074F}" destId="{DE0739B6-791E-49D8-AFE1-7D54AEF49C7A}" srcOrd="0" destOrd="0" presId="urn:microsoft.com/office/officeart/2018/5/layout/IconCircleLabelList"/>
-    <dgm:cxn modelId="{F58A6A97-E221-4F31-8D18-035B15B3F44E}" type="presOf" srcId="{F22A84FD-1979-49F3-A45E-66CC08E204EA}" destId="{B23AA470-403E-4F13-8810-8DCA67019E40}" srcOrd="0" destOrd="0" presId="urn:microsoft.com/office/officeart/2018/5/layout/IconCircleLabelList"/>
     <dgm:cxn modelId="{D0ECDD04-89BB-42B7-9CE2-2C29A218A924}" type="presParOf" srcId="{DE0739B6-791E-49D8-AFE1-7D54AEF49C7A}" destId="{29A8F365-8248-4874-A358-8987A8156469}" srcOrd="0" destOrd="0" presId="urn:microsoft.com/office/officeart/2018/5/layout/IconCircleLabelList"/>
     <dgm:cxn modelId="{179EEC7D-D39C-40C3-8595-390A1C535FC4}" type="presParOf" srcId="{29A8F365-8248-4874-A358-8987A8156469}" destId="{6F1E441A-1C59-476B-B485-BB96C144554C}" srcOrd="0" destOrd="0" presId="urn:microsoft.com/office/officeart/2018/5/layout/IconCircleLabelList"/>
     <dgm:cxn modelId="{CA22C6ED-CBD1-44DF-B733-18C425BBE728}" type="presParOf" srcId="{29A8F365-8248-4874-A358-8987A8156469}" destId="{4C5EC6B8-7DA0-4E14-A27E-D3B67C2B7279}" srcOrd="1" destOrd="0" presId="urn:microsoft.com/office/officeart/2018/5/layout/IconCircleLabelList"/>
@@ -2786,13 +2772,6 @@
         </dgm:presLayoutVars>
       </dgm:prSet>
       <dgm:spPr/>
-      <dgm:t>
-        <a:bodyPr/>
-        <a:lstStyle/>
-        <a:p>
-          <a:endParaRPr lang="pt-BR"/>
-        </a:p>
-      </dgm:t>
     </dgm:pt>
     <dgm:pt modelId="{29A8F365-8248-4874-A358-8987A8156469}" type="pres">
       <dgm:prSet presAssocID="{F22A84FD-1979-49F3-A45E-66CC08E204EA}" presName="compNode" presStyleCnt="0"/>
@@ -2809,7 +2788,7 @@
           <a:blip xmlns:r="http://schemas.openxmlformats.org/officeDocument/2006/relationships" r:embed="rId1">
             <a:extLst>
               <a:ext uri="{96DAC541-7B7A-43D3-8B79-37D633B846F1}">
-                <asvg:svgBlip xmlns:asvg="http://schemas.microsoft.com/office/drawing/2016/SVG/main" xmlns="" r:embed="rId2"/>
+                <asvg:svgBlip xmlns:asvg="http://schemas.microsoft.com/office/drawing/2016/SVG/main" r:embed="rId2"/>
               </a:ext>
             </a:extLst>
           </a:blip>
@@ -2839,19 +2818,12 @@
         </dgm:presLayoutVars>
       </dgm:prSet>
       <dgm:spPr/>
-      <dgm:t>
-        <a:bodyPr/>
-        <a:lstStyle/>
-        <a:p>
-          <a:endParaRPr lang="pt-BR"/>
-        </a:p>
-      </dgm:t>
     </dgm:pt>
   </dgm:ptLst>
   <dgm:cxnLst>
     <dgm:cxn modelId="{89086989-896C-4626-B210-9EC3D9D7B34E}" srcId="{93DAD773-FEAA-4B90-854A-1093477F074F}" destId="{F22A84FD-1979-49F3-A45E-66CC08E204EA}" srcOrd="0" destOrd="0" parTransId="{6AB8858D-63D7-482A-8FBF-FDDDAA324641}" sibTransId="{D0FD132C-51DB-4716-ADB0-4ACD105388CF}"/>
+    <dgm:cxn modelId="{F58A6A97-E221-4F31-8D18-035B15B3F44E}" type="presOf" srcId="{F22A84FD-1979-49F3-A45E-66CC08E204EA}" destId="{B23AA470-403E-4F13-8810-8DCA67019E40}" srcOrd="0" destOrd="0" presId="urn:microsoft.com/office/officeart/2018/5/layout/IconCircleLabelList"/>
     <dgm:cxn modelId="{B3F946B4-C0FA-4C8F-AD1D-7A4EE9EBBCCC}" type="presOf" srcId="{93DAD773-FEAA-4B90-854A-1093477F074F}" destId="{DE0739B6-791E-49D8-AFE1-7D54AEF49C7A}" srcOrd="0" destOrd="0" presId="urn:microsoft.com/office/officeart/2018/5/layout/IconCircleLabelList"/>
-    <dgm:cxn modelId="{F58A6A97-E221-4F31-8D18-035B15B3F44E}" type="presOf" srcId="{F22A84FD-1979-49F3-A45E-66CC08E204EA}" destId="{B23AA470-403E-4F13-8810-8DCA67019E40}" srcOrd="0" destOrd="0" presId="urn:microsoft.com/office/officeart/2018/5/layout/IconCircleLabelList"/>
     <dgm:cxn modelId="{D0ECDD04-89BB-42B7-9CE2-2C29A218A924}" type="presParOf" srcId="{DE0739B6-791E-49D8-AFE1-7D54AEF49C7A}" destId="{29A8F365-8248-4874-A358-8987A8156469}" srcOrd="0" destOrd="0" presId="urn:microsoft.com/office/officeart/2018/5/layout/IconCircleLabelList"/>
     <dgm:cxn modelId="{179EEC7D-D39C-40C3-8595-390A1C535FC4}" type="presParOf" srcId="{29A8F365-8248-4874-A358-8987A8156469}" destId="{6F1E441A-1C59-476B-B485-BB96C144554C}" srcOrd="0" destOrd="0" presId="urn:microsoft.com/office/officeart/2018/5/layout/IconCircleLabelList"/>
     <dgm:cxn modelId="{CA22C6ED-CBD1-44DF-B733-18C425BBE728}" type="presParOf" srcId="{29A8F365-8248-4874-A358-8987A8156469}" destId="{4C5EC6B8-7DA0-4E14-A27E-D3B67C2B7279}" srcOrd="1" destOrd="0" presId="urn:microsoft.com/office/officeart/2018/5/layout/IconCircleLabelList"/>
@@ -3034,13 +3006,6 @@
         </dgm:presLayoutVars>
       </dgm:prSet>
       <dgm:spPr/>
-      <dgm:t>
-        <a:bodyPr/>
-        <a:lstStyle/>
-        <a:p>
-          <a:endParaRPr lang="pt-BR"/>
-        </a:p>
-      </dgm:t>
     </dgm:pt>
     <dgm:pt modelId="{29A8F365-8248-4874-A358-8987A8156469}" type="pres">
       <dgm:prSet presAssocID="{F22A84FD-1979-49F3-A45E-66CC08E204EA}" presName="compNode" presStyleCnt="0"/>
@@ -3060,7 +3025,7 @@
                 <a14:useLocalDpi xmlns:a14="http://schemas.microsoft.com/office/drawing/2010/main" val="0"/>
               </a:ext>
               <a:ext uri="{96DAC541-7B7A-43D3-8B79-37D633B846F1}">
-                <asvg:svgBlip xmlns:asvg="http://schemas.microsoft.com/office/drawing/2016/SVG/main" xmlns="" r:embed="rId2"/>
+                <asvg:svgBlip xmlns:asvg="http://schemas.microsoft.com/office/drawing/2016/SVG/main" r:embed="rId2"/>
               </a:ext>
             </a:extLst>
           </a:blip>
@@ -3090,13 +3055,6 @@
         </dgm:presLayoutVars>
       </dgm:prSet>
       <dgm:spPr/>
-      <dgm:t>
-        <a:bodyPr/>
-        <a:lstStyle/>
-        <a:p>
-          <a:endParaRPr lang="pt-BR"/>
-        </a:p>
-      </dgm:t>
     </dgm:pt>
     <dgm:pt modelId="{BD4FE986-2906-45DB-871D-EEAF5AF507B8}" type="pres">
       <dgm:prSet presAssocID="{D0FD132C-51DB-4716-ADB0-4ACD105388CF}" presName="sibTrans" presStyleCnt="0"/>
@@ -3120,7 +3078,7 @@
                 <a14:useLocalDpi xmlns:a14="http://schemas.microsoft.com/office/drawing/2010/main" val="0"/>
               </a:ext>
               <a:ext uri="{96DAC541-7B7A-43D3-8B79-37D633B846F1}">
-                <asvg:svgBlip xmlns:asvg="http://schemas.microsoft.com/office/drawing/2016/SVG/main" xmlns="" r:embed="rId4"/>
+                <asvg:svgBlip xmlns:asvg="http://schemas.microsoft.com/office/drawing/2016/SVG/main" r:embed="rId4"/>
               </a:ext>
             </a:extLst>
           </a:blip>
@@ -3150,13 +3108,6 @@
         </dgm:presLayoutVars>
       </dgm:prSet>
       <dgm:spPr/>
-      <dgm:t>
-        <a:bodyPr/>
-        <a:lstStyle/>
-        <a:p>
-          <a:endParaRPr lang="pt-BR"/>
-        </a:p>
-      </dgm:t>
     </dgm:pt>
     <dgm:pt modelId="{BDBB551C-9842-488F-B7CB-4296B8C8AE56}" type="pres">
       <dgm:prSet presAssocID="{241CE552-5147-4CC0-957D-E924B447C84C}" presName="sibTrans" presStyleCnt="0"/>
@@ -3180,7 +3131,7 @@
                 <a14:useLocalDpi xmlns:a14="http://schemas.microsoft.com/office/drawing/2010/main" val="0"/>
               </a:ext>
               <a:ext uri="{96DAC541-7B7A-43D3-8B79-37D633B846F1}">
-                <asvg:svgBlip xmlns:asvg="http://schemas.microsoft.com/office/drawing/2016/SVG/main" xmlns="" r:embed="rId6"/>
+                <asvg:svgBlip xmlns:asvg="http://schemas.microsoft.com/office/drawing/2016/SVG/main" r:embed="rId6"/>
               </a:ext>
             </a:extLst>
           </a:blip>
@@ -3210,23 +3161,16 @@
         </dgm:presLayoutVars>
       </dgm:prSet>
       <dgm:spPr/>
-      <dgm:t>
-        <a:bodyPr/>
-        <a:lstStyle/>
-        <a:p>
-          <a:endParaRPr lang="pt-BR"/>
-        </a:p>
-      </dgm:t>
     </dgm:pt>
   </dgm:ptLst>
   <dgm:cxnLst>
+    <dgm:cxn modelId="{6998C103-F067-4F60-88A7-B16C94AF9068}" srcId="{93DAD773-FEAA-4B90-854A-1093477F074F}" destId="{052D30E5-18AE-442D-A0E2-FE8F291B6400}" srcOrd="1" destOrd="0" parTransId="{3BD3F6AC-24DE-4E6F-BDF2-F619D415447D}" sibTransId="{241CE552-5147-4CC0-957D-E924B447C84C}"/>
+    <dgm:cxn modelId="{B2E5C819-11DC-4DCE-B14B-82ACCEEEE9BA}" type="presOf" srcId="{59C3EE7D-E8F0-4058-9567-BA8D5D53C116}" destId="{6C3109FF-D64C-4B2B-A417-E14AC6B1ABA2}" srcOrd="0" destOrd="0" presId="urn:microsoft.com/office/officeart/2018/5/layout/IconCircleLabelList"/>
+    <dgm:cxn modelId="{70729A3A-F5F5-42C9-B2BB-A75B93DEEF62}" type="presOf" srcId="{052D30E5-18AE-442D-A0E2-FE8F291B6400}" destId="{E5D65826-DFFC-4986-8E43-A648C2FCBC5A}" srcOrd="0" destOrd="0" presId="urn:microsoft.com/office/officeart/2018/5/layout/IconCircleLabelList"/>
     <dgm:cxn modelId="{0B84FE83-C345-4959-8534-A73CDF11422C}" srcId="{93DAD773-FEAA-4B90-854A-1093477F074F}" destId="{59C3EE7D-E8F0-4058-9567-BA8D5D53C116}" srcOrd="2" destOrd="0" parTransId="{F776CE28-491C-41EF-B86B-A1F90E9E98C8}" sibTransId="{8001C3FF-063F-4D35-A7E4-79E344BC0397}"/>
-    <dgm:cxn modelId="{B2E5C819-11DC-4DCE-B14B-82ACCEEEE9BA}" type="presOf" srcId="{59C3EE7D-E8F0-4058-9567-BA8D5D53C116}" destId="{6C3109FF-D64C-4B2B-A417-E14AC6B1ABA2}" srcOrd="0" destOrd="0" presId="urn:microsoft.com/office/officeart/2018/5/layout/IconCircleLabelList"/>
     <dgm:cxn modelId="{89086989-896C-4626-B210-9EC3D9D7B34E}" srcId="{93DAD773-FEAA-4B90-854A-1093477F074F}" destId="{F22A84FD-1979-49F3-A45E-66CC08E204EA}" srcOrd="0" destOrd="0" parTransId="{6AB8858D-63D7-482A-8FBF-FDDDAA324641}" sibTransId="{D0FD132C-51DB-4716-ADB0-4ACD105388CF}"/>
+    <dgm:cxn modelId="{B3F946B4-C0FA-4C8F-AD1D-7A4EE9EBBCCC}" type="presOf" srcId="{93DAD773-FEAA-4B90-854A-1093477F074F}" destId="{DE0739B6-791E-49D8-AFE1-7D54AEF49C7A}" srcOrd="0" destOrd="0" presId="urn:microsoft.com/office/officeart/2018/5/layout/IconCircleLabelList"/>
     <dgm:cxn modelId="{DBD0DBDE-5C03-494C-B080-CA37A768653F}" type="presOf" srcId="{F22A84FD-1979-49F3-A45E-66CC08E204EA}" destId="{B23AA470-403E-4F13-8810-8DCA67019E40}" srcOrd="0" destOrd="0" presId="urn:microsoft.com/office/officeart/2018/5/layout/IconCircleLabelList"/>
-    <dgm:cxn modelId="{6998C103-F067-4F60-88A7-B16C94AF9068}" srcId="{93DAD773-FEAA-4B90-854A-1093477F074F}" destId="{052D30E5-18AE-442D-A0E2-FE8F291B6400}" srcOrd="1" destOrd="0" parTransId="{3BD3F6AC-24DE-4E6F-BDF2-F619D415447D}" sibTransId="{241CE552-5147-4CC0-957D-E924B447C84C}"/>
-    <dgm:cxn modelId="{B3F946B4-C0FA-4C8F-AD1D-7A4EE9EBBCCC}" type="presOf" srcId="{93DAD773-FEAA-4B90-854A-1093477F074F}" destId="{DE0739B6-791E-49D8-AFE1-7D54AEF49C7A}" srcOrd="0" destOrd="0" presId="urn:microsoft.com/office/officeart/2018/5/layout/IconCircleLabelList"/>
-    <dgm:cxn modelId="{70729A3A-F5F5-42C9-B2BB-A75B93DEEF62}" type="presOf" srcId="{052D30E5-18AE-442D-A0E2-FE8F291B6400}" destId="{E5D65826-DFFC-4986-8E43-A648C2FCBC5A}" srcOrd="0" destOrd="0" presId="urn:microsoft.com/office/officeart/2018/5/layout/IconCircleLabelList"/>
     <dgm:cxn modelId="{759380D9-595D-49E9-B712-2AE31FBAA81B}" type="presParOf" srcId="{DE0739B6-791E-49D8-AFE1-7D54AEF49C7A}" destId="{29A8F365-8248-4874-A358-8987A8156469}" srcOrd="0" destOrd="0" presId="urn:microsoft.com/office/officeart/2018/5/layout/IconCircleLabelList"/>
     <dgm:cxn modelId="{8D2907E5-CB18-475C-8449-CF5A5CA00AB1}" type="presParOf" srcId="{29A8F365-8248-4874-A358-8987A8156469}" destId="{6F1E441A-1C59-476B-B485-BB96C144554C}" srcOrd="0" destOrd="0" presId="urn:microsoft.com/office/officeart/2018/5/layout/IconCircleLabelList"/>
     <dgm:cxn modelId="{E03A7992-DA44-40C3-969A-E8C15CE3A115}" type="presParOf" srcId="{29A8F365-8248-4874-A358-8987A8156469}" destId="{4C5EC6B8-7DA0-4E14-A27E-D3B67C2B7279}" srcOrd="1" destOrd="0" presId="urn:microsoft.com/office/officeart/2018/5/layout/IconCircleLabelList"/>
@@ -3319,7 +3263,7 @@
           <a:blip xmlns:r="http://schemas.openxmlformats.org/officeDocument/2006/relationships" r:embed="rId1">
             <a:extLst>
               <a:ext uri="{96DAC541-7B7A-43D3-8B79-37D633B846F1}">
-                <asvg:svgBlip xmlns:asvg="http://schemas.microsoft.com/office/drawing/2016/SVG/main" xmlns="" r:embed="rId2"/>
+                <asvg:svgBlip xmlns:asvg="http://schemas.microsoft.com/office/drawing/2016/SVG/main" r:embed="rId2"/>
               </a:ext>
             </a:extLst>
           </a:blip>
@@ -3385,7 +3329,7 @@
         </a:bodyPr>
         <a:lstStyle/>
         <a:p>
-          <a:pPr lvl="0" algn="ctr" defTabSz="1200150">
+          <a:pPr marL="0" lvl="0" indent="0" algn="ctr" defTabSz="1200150">
             <a:lnSpc>
               <a:spcPct val="100000"/>
             </a:lnSpc>
@@ -3395,6 +3339,7 @@
             <a:spcAft>
               <a:spcPct val="35000"/>
             </a:spcAft>
+            <a:buNone/>
             <a:defRPr cap="all"/>
           </a:pPr>
           <a:r>
@@ -3485,7 +3430,7 @@
           <a:blip xmlns:r="http://schemas.openxmlformats.org/officeDocument/2006/relationships" r:embed="rId1">
             <a:extLst>
               <a:ext uri="{96DAC541-7B7A-43D3-8B79-37D633B846F1}">
-                <asvg:svgBlip xmlns:asvg="http://schemas.microsoft.com/office/drawing/2016/SVG/main" xmlns="" r:embed="rId2"/>
+                <asvg:svgBlip xmlns:asvg="http://schemas.microsoft.com/office/drawing/2016/SVG/main" r:embed="rId2"/>
               </a:ext>
             </a:extLst>
           </a:blip>
@@ -3551,7 +3496,7 @@
         </a:bodyPr>
         <a:lstStyle/>
         <a:p>
-          <a:pPr lvl="0" algn="ctr" defTabSz="1200150">
+          <a:pPr marL="0" lvl="0" indent="0" algn="ctr" defTabSz="1200150">
             <a:lnSpc>
               <a:spcPct val="100000"/>
             </a:lnSpc>
@@ -3561,6 +3506,7 @@
             <a:spcAft>
               <a:spcPct val="35000"/>
             </a:spcAft>
+            <a:buNone/>
             <a:defRPr cap="all"/>
           </a:pPr>
           <a:r>
@@ -3654,7 +3600,7 @@
                 <a14:useLocalDpi xmlns:a14="http://schemas.microsoft.com/office/drawing/2010/main" val="0"/>
               </a:ext>
               <a:ext uri="{96DAC541-7B7A-43D3-8B79-37D633B846F1}">
-                <asvg:svgBlip xmlns:asvg="http://schemas.microsoft.com/office/drawing/2016/SVG/main" xmlns="" r:embed="rId2"/>
+                <asvg:svgBlip xmlns:asvg="http://schemas.microsoft.com/office/drawing/2016/SVG/main" r:embed="rId2"/>
               </a:ext>
             </a:extLst>
           </a:blip>
@@ -3720,7 +3666,7 @@
         </a:bodyPr>
         <a:lstStyle/>
         <a:p>
-          <a:pPr lvl="0" algn="ctr" defTabSz="1066800">
+          <a:pPr marL="0" lvl="0" indent="0" algn="ctr" defTabSz="1066800">
             <a:lnSpc>
               <a:spcPct val="90000"/>
             </a:lnSpc>
@@ -3730,6 +3676,7 @@
             <a:spcAft>
               <a:spcPct val="35000"/>
             </a:spcAft>
+            <a:buNone/>
             <a:defRPr cap="all"/>
           </a:pPr>
           <a:r>
@@ -3811,7 +3758,7 @@
                 <a14:useLocalDpi xmlns:a14="http://schemas.microsoft.com/office/drawing/2010/main" val="0"/>
               </a:ext>
               <a:ext uri="{96DAC541-7B7A-43D3-8B79-37D633B846F1}">
-                <asvg:svgBlip xmlns:asvg="http://schemas.microsoft.com/office/drawing/2016/SVG/main" xmlns="" r:embed="rId4"/>
+                <asvg:svgBlip xmlns:asvg="http://schemas.microsoft.com/office/drawing/2016/SVG/main" r:embed="rId4"/>
               </a:ext>
             </a:extLst>
           </a:blip>
@@ -3877,7 +3824,7 @@
         </a:bodyPr>
         <a:lstStyle/>
         <a:p>
-          <a:pPr lvl="0" algn="ctr" defTabSz="1066800">
+          <a:pPr marL="0" lvl="0" indent="0" algn="ctr" defTabSz="1066800">
             <a:lnSpc>
               <a:spcPct val="90000"/>
             </a:lnSpc>
@@ -3887,6 +3834,7 @@
             <a:spcAft>
               <a:spcPct val="35000"/>
             </a:spcAft>
+            <a:buNone/>
             <a:defRPr cap="all"/>
           </a:pPr>
           <a:r>
@@ -3968,7 +3916,7 @@
                 <a14:useLocalDpi xmlns:a14="http://schemas.microsoft.com/office/drawing/2010/main" val="0"/>
               </a:ext>
               <a:ext uri="{96DAC541-7B7A-43D3-8B79-37D633B846F1}">
-                <asvg:svgBlip xmlns:asvg="http://schemas.microsoft.com/office/drawing/2016/SVG/main" xmlns="" r:embed="rId6"/>
+                <asvg:svgBlip xmlns:asvg="http://schemas.microsoft.com/office/drawing/2016/SVG/main" r:embed="rId6"/>
               </a:ext>
             </a:extLst>
           </a:blip>
@@ -4034,7 +3982,7 @@
         </a:bodyPr>
         <a:lstStyle/>
         <a:p>
-          <a:pPr lvl="0" algn="ctr" defTabSz="1066800">
+          <a:pPr marL="0" lvl="0" indent="0" algn="ctr" defTabSz="1066800">
             <a:lnSpc>
               <a:spcPct val="90000"/>
             </a:lnSpc>
@@ -4044,6 +3992,7 @@
             <a:spcAft>
               <a:spcPct val="35000"/>
             </a:spcAft>
+            <a:buNone/>
             <a:defRPr cap="all"/>
           </a:pPr>
           <a:r>
@@ -4272,7 +4221,7 @@
   </dgm:layoutNode>
   <dgm:extLst>
     <a:ext uri="{68A01E43-0DF5-4B5B-8FA6-DAF915123BFB}">
-      <dgm1612:lstStyle xmlns:dgm1612="http://schemas.microsoft.com/office/drawing/2016/12/diagram" xmlns="">
+      <dgm1612:lstStyle xmlns:dgm1612="http://schemas.microsoft.com/office/drawing/2016/12/diagram">
         <a:lvl1pPr>
           <a:lnSpc>
             <a:spcPct val="100000"/>
@@ -4487,7 +4436,7 @@
   </dgm:layoutNode>
   <dgm:extLst>
     <a:ext uri="{68A01E43-0DF5-4B5B-8FA6-DAF915123BFB}">
-      <dgm1612:lstStyle xmlns:dgm1612="http://schemas.microsoft.com/office/drawing/2016/12/diagram" xmlns="">
+      <dgm1612:lstStyle xmlns:dgm1612="http://schemas.microsoft.com/office/drawing/2016/12/diagram">
         <a:lvl1pPr>
           <a:lnSpc>
             <a:spcPct val="100000"/>
@@ -4702,7 +4651,7 @@
   </dgm:layoutNode>
   <dgm:extLst>
     <a:ext uri="{68A01E43-0DF5-4B5B-8FA6-DAF915123BFB}">
-      <dgm1612:lstStyle xmlns:dgm1612="http://schemas.microsoft.com/office/drawing/2016/12/diagram" xmlns="">
+      <dgm1612:lstStyle xmlns:dgm1612="http://schemas.microsoft.com/office/drawing/2016/12/diagram">
         <a:lvl1pPr>
           <a:lnSpc>
             <a:spcPct val="100000"/>
@@ -17191,10 +17140,6 @@
           </a:bodyPr>
           <a:lstStyle/>
           <a:p>
-            <a:r>
-              <a:rPr lang="en" sz="3200" dirty="0"/>
-              <a:t/>
-            </a:r>
             <a:br>
               <a:rPr lang="en" sz="3200" dirty="0"/>
             </a:br>
@@ -17217,13 +17162,6 @@
   <p:clrMapOvr>
     <a:masterClrMapping/>
   </p:clrMapOvr>
-  <p:timing>
-    <p:tnLst>
-      <p:par>
-        <p:cTn id="1" dur="indefinite" restart="never" nodeType="tmRoot"/>
-      </p:par>
-    </p:tnLst>
-  </p:timing>
 </p:sld>
 </file>
 
@@ -17266,10 +17204,9 @@
           <a:lstStyle/>
           <a:p>
             <a:r>
-              <a:rPr lang="en-US" dirty="0" smtClean="0"/>
+              <a:rPr lang="en-US" dirty="0"/>
               <a:t>LLD</a:t>
             </a:r>
-            <a:endParaRPr lang="en-US" dirty="0"/>
           </a:p>
         </p:txBody>
       </p:sp>
@@ -17361,13 +17298,6 @@
   <p:clrMapOvr>
     <a:masterClrMapping/>
   </p:clrMapOvr>
-  <p:timing>
-    <p:tnLst>
-      <p:par>
-        <p:cTn id="1" dur="indefinite" restart="never" nodeType="tmRoot"/>
-      </p:par>
-    </p:tnLst>
-  </p:timing>
 </p:sld>
 </file>
 
@@ -17410,10 +17340,9 @@
           <a:lstStyle/>
           <a:p>
             <a:r>
-              <a:rPr lang="en-US" dirty="0" smtClean="0"/>
+              <a:rPr lang="en-US" dirty="0"/>
               <a:t>Diagrama de classes</a:t>
             </a:r>
-            <a:endParaRPr lang="en-US" dirty="0"/>
           </a:p>
         </p:txBody>
       </p:sp>
@@ -17502,13 +17431,6 @@
   <p:clrMapOvr>
     <a:masterClrMapping/>
   </p:clrMapOvr>
-  <p:timing>
-    <p:tnLst>
-      <p:par>
-        <p:cTn id="1" dur="indefinite" restart="never" nodeType="tmRoot"/>
-      </p:par>
-    </p:tnLst>
-  </p:timing>
 </p:sld>
 </file>
 
@@ -17545,10 +17467,9 @@
           <a:lstStyle/>
           <a:p>
             <a:r>
-              <a:rPr lang="pt-BR" dirty="0" smtClean="0"/>
+              <a:rPr lang="pt-BR" dirty="0"/>
               <a:t>Inovação</a:t>
             </a:r>
-            <a:endParaRPr lang="pt-BR" dirty="0"/>
           </a:p>
         </p:txBody>
       </p:sp>
@@ -17581,6 +17502,161 @@
               <a:t>12</a:t>
             </a:fld>
             <a:endParaRPr lang="pt-BR"/>
+          </a:p>
+        </p:txBody>
+      </p:sp>
+      <p:pic>
+        <p:nvPicPr>
+          <p:cNvPr id="1026" name="Picture 2" descr="Geolocalização de serviços financeiros é aposta da Maplink para inovação no  setor - MundoGEO">
+            <a:extLst>
+              <a:ext uri="{FF2B5EF4-FFF2-40B4-BE49-F238E27FC236}">
+                <a16:creationId xmlns:a16="http://schemas.microsoft.com/office/drawing/2014/main" id="{96338F99-EF98-4D17-9BC4-A4D13F8E0428}"/>
+              </a:ext>
+            </a:extLst>
+          </p:cNvPr>
+          <p:cNvPicPr>
+            <a:picLocks noChangeAspect="1" noChangeArrowheads="1"/>
+          </p:cNvPicPr>
+          <p:nvPr/>
+        </p:nvPicPr>
+        <p:blipFill>
+          <a:blip r:embed="rId2">
+            <a:extLst>
+              <a:ext uri="{28A0092B-C50C-407E-A947-70E740481C1C}">
+                <a14:useLocalDpi xmlns:a14="http://schemas.microsoft.com/office/drawing/2010/main" val="0"/>
+              </a:ext>
+            </a:extLst>
+          </a:blip>
+          <a:srcRect/>
+          <a:stretch>
+            <a:fillRect/>
+          </a:stretch>
+        </p:blipFill>
+        <p:spPr bwMode="auto">
+          <a:xfrm>
+            <a:off x="4846690" y="2101645"/>
+            <a:ext cx="2857500" cy="2143125"/>
+          </a:xfrm>
+          <a:prstGeom prst="rect">
+            <a:avLst/>
+          </a:prstGeom>
+          <a:noFill/>
+          <a:extLst>
+            <a:ext uri="{909E8E84-426E-40DD-AFC4-6F175D3DCCD1}">
+              <a14:hiddenFill xmlns:a14="http://schemas.microsoft.com/office/drawing/2010/main">
+                <a:solidFill>
+                  <a:srgbClr val="FFFFFF"/>
+                </a:solidFill>
+              </a14:hiddenFill>
+            </a:ext>
+          </a:extLst>
+        </p:spPr>
+      </p:pic>
+      <p:sp>
+        <p:nvSpPr>
+          <p:cNvPr id="4" name="CaixaDeTexto 3">
+            <a:extLst>
+              <a:ext uri="{FF2B5EF4-FFF2-40B4-BE49-F238E27FC236}">
+                <a16:creationId xmlns:a16="http://schemas.microsoft.com/office/drawing/2014/main" id="{F50560C9-3CD5-41D7-997A-EE63F8CD889B}"/>
+              </a:ext>
+            </a:extLst>
+          </p:cNvPr>
+          <p:cNvSpPr txBox="1"/>
+          <p:nvPr/>
+        </p:nvSpPr>
+        <p:spPr>
+          <a:xfrm>
+            <a:off x="471947" y="2101645"/>
+            <a:ext cx="2256503" cy="1815882"/>
+          </a:xfrm>
+          <a:prstGeom prst="rect">
+            <a:avLst/>
+          </a:prstGeom>
+          <a:noFill/>
+        </p:spPr>
+        <p:txBody>
+          <a:bodyPr wrap="square" rtlCol="0">
+            <a:spAutoFit/>
+          </a:bodyPr>
+          <a:lstStyle/>
+          <a:p>
+            <a:pPr marL="285750" indent="-285750">
+              <a:buFont typeface="Arial" panose="020B0604020202020204" pitchFamily="34" charset="0"/>
+              <a:buChar char="•"/>
+            </a:pPr>
+            <a:r>
+              <a:rPr lang="pt-BR" dirty="0"/>
+              <a:t>Facilidade na visualização de máquinas</a:t>
+            </a:r>
+          </a:p>
+          <a:p>
+            <a:pPr marL="285750" indent="-285750">
+              <a:buFont typeface="Arial" panose="020B0604020202020204" pitchFamily="34" charset="0"/>
+              <a:buChar char="•"/>
+            </a:pPr>
+            <a:endParaRPr lang="pt-BR" dirty="0"/>
+          </a:p>
+          <a:p>
+            <a:pPr marL="285750" indent="-285750">
+              <a:buFont typeface="Arial" panose="020B0604020202020204" pitchFamily="34" charset="0"/>
+              <a:buChar char="•"/>
+            </a:pPr>
+            <a:r>
+              <a:rPr lang="pt-BR" dirty="0"/>
+              <a:t>Controle e organização</a:t>
+            </a:r>
+          </a:p>
+          <a:p>
+            <a:pPr marL="285750" indent="-285750">
+              <a:buFont typeface="Arial" panose="020B0604020202020204" pitchFamily="34" charset="0"/>
+              <a:buChar char="•"/>
+            </a:pPr>
+            <a:endParaRPr lang="pt-BR" dirty="0"/>
+          </a:p>
+          <a:p>
+            <a:endParaRPr lang="pt-BR" dirty="0"/>
+          </a:p>
+        </p:txBody>
+      </p:sp>
+      <p:sp>
+        <p:nvSpPr>
+          <p:cNvPr id="5" name="CaixaDeTexto 4">
+            <a:extLst>
+              <a:ext uri="{FF2B5EF4-FFF2-40B4-BE49-F238E27FC236}">
+                <a16:creationId xmlns:a16="http://schemas.microsoft.com/office/drawing/2014/main" id="{751BDF85-8E12-4433-B30A-6B89C315E425}"/>
+              </a:ext>
+            </a:extLst>
+          </p:cNvPr>
+          <p:cNvSpPr txBox="1"/>
+          <p:nvPr/>
+        </p:nvSpPr>
+        <p:spPr>
+          <a:xfrm>
+            <a:off x="5405284" y="1509962"/>
+            <a:ext cx="1895167" cy="307777"/>
+          </a:xfrm>
+          <a:prstGeom prst="rect">
+            <a:avLst/>
+          </a:prstGeom>
+          <a:noFill/>
+        </p:spPr>
+        <p:txBody>
+          <a:bodyPr wrap="square" rtlCol="0">
+            <a:spAutoFit/>
+          </a:bodyPr>
+          <a:lstStyle/>
+          <a:p>
+            <a:r>
+              <a:rPr lang="pt-BR" b="1" i="0" dirty="0">
+                <a:solidFill>
+                  <a:srgbClr val="202124"/>
+                </a:solidFill>
+                <a:effectLst/>
+                <a:latin typeface="arial" panose="020B0604020202020204" pitchFamily="34" charset="0"/>
+              </a:rPr>
+              <a:t>Geolocalização</a:t>
+            </a:r>
+            <a:endParaRPr lang="pt-BR" dirty="0"/>
           </a:p>
         </p:txBody>
       </p:sp>
@@ -17630,10 +17706,9 @@
           <a:lstStyle/>
           <a:p>
             <a:r>
-              <a:rPr lang="pt-BR" dirty="0" smtClean="0"/>
+              <a:rPr lang="pt-BR" dirty="0"/>
               <a:t>Inovação</a:t>
             </a:r>
-            <a:endParaRPr lang="pt-BR" dirty="0"/>
           </a:p>
         </p:txBody>
       </p:sp>
@@ -17666,6 +17741,99 @@
               <a:t>13</a:t>
             </a:fld>
             <a:endParaRPr lang="pt-BR"/>
+          </a:p>
+        </p:txBody>
+      </p:sp>
+      <p:pic>
+        <p:nvPicPr>
+          <p:cNvPr id="4" name="Imagem 3">
+            <a:extLst>
+              <a:ext uri="{FF2B5EF4-FFF2-40B4-BE49-F238E27FC236}">
+                <a16:creationId xmlns:a16="http://schemas.microsoft.com/office/drawing/2014/main" id="{BA8D416A-0922-4824-93CF-0B77A8C4B355}"/>
+              </a:ext>
+            </a:extLst>
+          </p:cNvPr>
+          <p:cNvPicPr>
+            <a:picLocks noChangeAspect="1"/>
+          </p:cNvPicPr>
+          <p:nvPr/>
+        </p:nvPicPr>
+        <p:blipFill>
+          <a:blip r:embed="rId2"/>
+          <a:stretch>
+            <a:fillRect/>
+          </a:stretch>
+        </p:blipFill>
+        <p:spPr>
+          <a:xfrm>
+            <a:off x="4572000" y="1814051"/>
+            <a:ext cx="4051633" cy="2684207"/>
+          </a:xfrm>
+          <a:prstGeom prst="rect">
+            <a:avLst/>
+          </a:prstGeom>
+        </p:spPr>
+      </p:pic>
+      <p:sp>
+        <p:nvSpPr>
+          <p:cNvPr id="5" name="CaixaDeTexto 4">
+            <a:extLst>
+              <a:ext uri="{FF2B5EF4-FFF2-40B4-BE49-F238E27FC236}">
+                <a16:creationId xmlns:a16="http://schemas.microsoft.com/office/drawing/2014/main" id="{2F36806A-DF5B-47B9-A17C-59B03D5B2A05}"/>
+              </a:ext>
+            </a:extLst>
+          </p:cNvPr>
+          <p:cNvSpPr txBox="1"/>
+          <p:nvPr/>
+        </p:nvSpPr>
+        <p:spPr>
+          <a:xfrm>
+            <a:off x="553065" y="1895168"/>
+            <a:ext cx="2492477" cy="1600438"/>
+          </a:xfrm>
+          <a:prstGeom prst="rect">
+            <a:avLst/>
+          </a:prstGeom>
+          <a:noFill/>
+        </p:spPr>
+        <p:txBody>
+          <a:bodyPr wrap="square" rtlCol="0">
+            <a:spAutoFit/>
+          </a:bodyPr>
+          <a:lstStyle/>
+          <a:p>
+            <a:pPr marL="285750" indent="-285750">
+              <a:buFont typeface="Arial" panose="020B0604020202020204" pitchFamily="34" charset="0"/>
+              <a:buChar char="•"/>
+            </a:pPr>
+            <a:r>
+              <a:rPr lang="pt-BR" dirty="0"/>
+              <a:t>Monitorar os pedidos, tempo que o garçom leva para atender uma mesa.</a:t>
+            </a:r>
+          </a:p>
+          <a:p>
+            <a:pPr marL="285750" indent="-285750">
+              <a:buFont typeface="Arial" panose="020B0604020202020204" pitchFamily="34" charset="0"/>
+              <a:buChar char="•"/>
+            </a:pPr>
+            <a:endParaRPr lang="pt-BR" dirty="0"/>
+          </a:p>
+          <a:p>
+            <a:pPr marL="285750" indent="-285750">
+              <a:buFont typeface="Arial" panose="020B0604020202020204" pitchFamily="34" charset="0"/>
+              <a:buChar char="•"/>
+            </a:pPr>
+            <a:endParaRPr lang="pt-BR" dirty="0"/>
+          </a:p>
+          <a:p>
+            <a:pPr marL="285750" indent="-285750">
+              <a:buFont typeface="Arial" panose="020B0604020202020204" pitchFamily="34" charset="0"/>
+              <a:buChar char="•"/>
+            </a:pPr>
+            <a:r>
+              <a:rPr lang="pt-BR" dirty="0"/>
+              <a:t>Monitorar os locais em que o garçom mais fica.</a:t>
+            </a:r>
           </a:p>
         </p:txBody>
       </p:sp>
@@ -17730,29 +17898,8 @@
                   <a:schemeClr val="accent5"/>
                 </a:solidFill>
               </a:rPr>
-              <a:t>SITE/ </a:t>
+              <a:t>SITE/ SCRIPT/ INOVAÇÃO</a:t>
             </a:r>
-            <a:r>
-              <a:rPr lang="en" sz="6600" dirty="0" smtClean="0">
-                <a:solidFill>
-                  <a:schemeClr val="accent5"/>
-                </a:solidFill>
-              </a:rPr>
-              <a:t>SCRIPT</a:t>
-            </a:r>
-            <a:r>
-              <a:rPr lang="en" sz="6600" dirty="0" smtClean="0">
-                <a:solidFill>
-                  <a:schemeClr val="accent5"/>
-                </a:solidFill>
-              </a:rPr>
-              <a:t>/ INOVAÇÃO</a:t>
-            </a:r>
-            <a:endParaRPr lang="en" sz="6600" dirty="0">
-              <a:solidFill>
-                <a:schemeClr val="accent5"/>
-              </a:solidFill>
-            </a:endParaRPr>
           </a:p>
         </p:txBody>
       </p:sp>
@@ -21357,13 +21504,6 @@
   <p:clrMapOvr>
     <a:masterClrMapping/>
   </p:clrMapOvr>
-  <p:timing>
-    <p:tnLst>
-      <p:par>
-        <p:cTn id="1" dur="indefinite" restart="never" nodeType="tmRoot"/>
-      </p:par>
-    </p:tnLst>
-  </p:timing>
 </p:sld>
 </file>
 
@@ -21476,13 +21616,6 @@
   <p:clrMapOvr>
     <a:masterClrMapping/>
   </p:clrMapOvr>
-  <p:timing>
-    <p:tnLst>
-      <p:par>
-        <p:cTn id="1" dur="indefinite" restart="never" nodeType="tmRoot"/>
-      </p:par>
-    </p:tnLst>
-  </p:timing>
 </p:sld>
 </file>
 
@@ -22290,13 +22423,6 @@
   <p:clrMapOvr>
     <a:masterClrMapping/>
   </p:clrMapOvr>
-  <p:timing>
-    <p:tnLst>
-      <p:par>
-        <p:cTn id="1" dur="indefinite" restart="never" nodeType="tmRoot"/>
-      </p:par>
-    </p:tnLst>
-  </p:timing>
 </p:sld>
 </file>
 
@@ -22597,13 +22723,6 @@
   <p:clrMapOvr>
     <a:masterClrMapping/>
   </p:clrMapOvr>
-  <p:timing>
-    <p:tnLst>
-      <p:par>
-        <p:cTn id="1" dur="indefinite" restart="never" nodeType="tmRoot"/>
-      </p:par>
-    </p:tnLst>
-  </p:timing>
 </p:sld>
 </file>
 
@@ -22755,7 +22874,7 @@
           <a:blip r:embed="rId4">
             <a:extLst>
               <a:ext uri="{96DAC541-7B7A-43D3-8B79-37D633B846F1}">
-                <asvg:svgBlip xmlns:asvg="http://schemas.microsoft.com/office/drawing/2016/SVG/main" xmlns="" r:embed="rId5"/>
+                <asvg:svgBlip xmlns:asvg="http://schemas.microsoft.com/office/drawing/2016/SVG/main" r:embed="rId5"/>
               </a:ext>
             </a:extLst>
           </a:blip>
@@ -22778,13 +22897,6 @@
   <p:clrMapOvr>
     <a:masterClrMapping/>
   </p:clrMapOvr>
-  <p:timing>
-    <p:tnLst>
-      <p:par>
-        <p:cTn id="1" dur="indefinite" restart="never" nodeType="tmRoot"/>
-      </p:par>
-    </p:tnLst>
-  </p:timing>
 </p:sld>
 </file>
 
@@ -22972,7 +23084,7 @@
           <a:blip r:embed="rId3">
             <a:extLst>
               <a:ext uri="{96DAC541-7B7A-43D3-8B79-37D633B846F1}">
-                <asvg:svgBlip xmlns:asvg="http://schemas.microsoft.com/office/drawing/2016/SVG/main" xmlns="" r:embed="rId4"/>
+                <asvg:svgBlip xmlns:asvg="http://schemas.microsoft.com/office/drawing/2016/SVG/main" r:embed="rId4"/>
               </a:ext>
             </a:extLst>
           </a:blip>
@@ -23000,13 +23112,6 @@
   <p:clrMapOvr>
     <a:masterClrMapping/>
   </p:clrMapOvr>
-  <p:timing>
-    <p:tnLst>
-      <p:par>
-        <p:cTn id="1" dur="indefinite" restart="never" nodeType="tmRoot"/>
-      </p:par>
-    </p:tnLst>
-  </p:timing>
 </p:sld>
 </file>
 
@@ -23173,13 +23278,6 @@
   <p:clrMapOvr>
     <a:masterClrMapping/>
   </p:clrMapOvr>
-  <p:timing>
-    <p:tnLst>
-      <p:par>
-        <p:cTn id="1" dur="indefinite" restart="never" nodeType="tmRoot"/>
-      </p:par>
-    </p:tnLst>
-  </p:timing>
 </p:sld>
 </file>
 
@@ -23368,13 +23466,6 @@
   <p:clrMapOvr>
     <a:masterClrMapping/>
   </p:clrMapOvr>
-  <p:timing>
-    <p:tnLst>
-      <p:par>
-        <p:cTn id="1" dur="indefinite" restart="never" nodeType="tmRoot"/>
-      </p:par>
-    </p:tnLst>
-  </p:timing>
 </p:sld>
 </file>
 
@@ -23537,13 +23628,6 @@
   <p:clrMapOvr>
     <a:masterClrMapping/>
   </p:clrMapOvr>
-  <p:timing>
-    <p:tnLst>
-      <p:par>
-        <p:cTn id="1" dur="indefinite" restart="never" nodeType="tmRoot"/>
-      </p:par>
-    </p:tnLst>
-  </p:timing>
 </p:sld>
 </file>
 
@@ -23754,13 +23838,6 @@
   <p:clrMapOvr>
     <a:masterClrMapping/>
   </p:clrMapOvr>
-  <p:timing>
-    <p:tnLst>
-      <p:par>
-        <p:cTn id="1" dur="indefinite" restart="never" nodeType="tmRoot"/>
-      </p:par>
-    </p:tnLst>
-  </p:timing>
 </p:sld>
 </file>
 
@@ -23803,11 +23880,11 @@
           <a:lstStyle/>
           <a:p>
             <a:r>
-              <a:rPr lang="en-US" dirty="0" smtClean="0"/>
+              <a:rPr lang="en-US" dirty="0"/>
               <a:t>Product </a:t>
             </a:r>
             <a:r>
-              <a:rPr lang="en-US" dirty="0" err="1" smtClean="0"/>
+              <a:rPr lang="en-US" dirty="0" err="1"/>
               <a:t>BackLog</a:t>
             </a:r>
             <a:endParaRPr lang="en-US" dirty="0"/>
@@ -23886,13 +23963,6 @@
   <p:clrMapOvr>
     <a:masterClrMapping/>
   </p:clrMapOvr>
-  <p:timing>
-    <p:tnLst>
-      <p:par>
-        <p:cTn id="1" dur="indefinite" restart="never" nodeType="tmRoot"/>
-      </p:par>
-    </p:tnLst>
-  </p:timing>
 </p:sld>
 </file>
 
